--- a/Présentation/PresentationProjetIndustrielWeb.pptx
+++ b/Présentation/PresentationProjetIndustrielWeb.pptx
@@ -5,7 +5,7 @@
     <p:sldMasterId id="2147483660" r:id="rId1"/>
   </p:sldMasterIdLst>
   <p:notesMasterIdLst>
-    <p:notesMasterId r:id="rId8"/>
+    <p:notesMasterId r:id="rId11"/>
   </p:notesMasterIdLst>
   <p:sldIdLst>
     <p:sldId id="256" r:id="rId2"/>
@@ -13,7 +13,10 @@
     <p:sldId id="258" r:id="rId4"/>
     <p:sldId id="259" r:id="rId5"/>
     <p:sldId id="260" r:id="rId6"/>
-    <p:sldId id="261" r:id="rId7"/>
+    <p:sldId id="262" r:id="rId7"/>
+    <p:sldId id="263" r:id="rId8"/>
+    <p:sldId id="264" r:id="rId9"/>
+    <p:sldId id="261" r:id="rId10"/>
   </p:sldIdLst>
   <p:sldSz cx="12192000" cy="6858000"/>
   <p:notesSz cx="6858000" cy="9144000"/>
@@ -112,6 +115,11 @@
       </a:defRPr>
     </a:lvl9pPr>
   </p:defaultTextStyle>
+  <p:extLst>
+    <p:ext uri="{EFAFB233-063F-42B5-8137-9DF3F51BA10A}">
+      <p15:sldGuideLst xmlns:p15="http://schemas.microsoft.com/office/powerpoint/2012/main"/>
+    </p:ext>
+  </p:extLst>
 </p:presentation>
 </file>
 
@@ -197,7 +205,7 @@
           <a:p>
             <a:fld id="{04C05D60-668A-4571-89DB-45EEDDA3503F}" type="datetimeFigureOut">
               <a:rPr lang="fr-CA" smtClean="0"/>
-              <a:t>2019-04-01</a:t>
+              <a:t>2019-04-04</a:t>
             </a:fld>
             <a:endParaRPr lang="fr-CA"/>
           </a:p>
@@ -762,7 +770,7 @@
           <a:p>
             <a:fld id="{7B189DDE-E0EC-44B9-B006-E3AF731F6D28}" type="datetimeFigureOut">
               <a:rPr lang="fr-CA" smtClean="0"/>
-              <a:t>2019-04-01</a:t>
+              <a:t>2019-04-04</a:t>
             </a:fld>
             <a:endParaRPr lang="fr-CA"/>
           </a:p>
@@ -1053,7 +1061,7 @@
           <a:p>
             <a:fld id="{7B189DDE-E0EC-44B9-B006-E3AF731F6D28}" type="datetimeFigureOut">
               <a:rPr lang="fr-CA" smtClean="0"/>
-              <a:t>2019-04-01</a:t>
+              <a:t>2019-04-04</a:t>
             </a:fld>
             <a:endParaRPr lang="fr-CA"/>
           </a:p>
@@ -1312,7 +1320,7 @@
           <a:p>
             <a:fld id="{7B189DDE-E0EC-44B9-B006-E3AF731F6D28}" type="datetimeFigureOut">
               <a:rPr lang="fr-CA" smtClean="0"/>
-              <a:t>2019-04-01</a:t>
+              <a:t>2019-04-04</a:t>
             </a:fld>
             <a:endParaRPr lang="fr-CA"/>
           </a:p>
@@ -1781,7 +1789,7 @@
           <a:p>
             <a:fld id="{7B189DDE-E0EC-44B9-B006-E3AF731F6D28}" type="datetimeFigureOut">
               <a:rPr lang="fr-CA" smtClean="0"/>
-              <a:t>2019-04-01</a:t>
+              <a:t>2019-04-04</a:t>
             </a:fld>
             <a:endParaRPr lang="fr-CA"/>
           </a:p>
@@ -1961,7 +1969,7 @@
           <a:p>
             <a:fld id="{7B189DDE-E0EC-44B9-B006-E3AF731F6D28}" type="datetimeFigureOut">
               <a:rPr lang="fr-CA" smtClean="0"/>
-              <a:t>2019-04-01</a:t>
+              <a:t>2019-04-04</a:t>
             </a:fld>
             <a:endParaRPr lang="fr-CA"/>
           </a:p>
@@ -2537,7 +2545,7 @@
           <a:p>
             <a:fld id="{7B189DDE-E0EC-44B9-B006-E3AF731F6D28}" type="datetimeFigureOut">
               <a:rPr lang="fr-CA" smtClean="0"/>
-              <a:t>2019-04-01</a:t>
+              <a:t>2019-04-04</a:t>
             </a:fld>
             <a:endParaRPr lang="fr-CA"/>
           </a:p>
@@ -2869,7 +2877,7 @@
           <a:p>
             <a:fld id="{7B189DDE-E0EC-44B9-B006-E3AF731F6D28}" type="datetimeFigureOut">
               <a:rPr lang="fr-CA" smtClean="0"/>
-              <a:t>2019-04-01</a:t>
+              <a:t>2019-04-04</a:t>
             </a:fld>
             <a:endParaRPr lang="fr-CA"/>
           </a:p>
@@ -3044,7 +3052,7 @@
           <a:p>
             <a:fld id="{7B189DDE-E0EC-44B9-B006-E3AF731F6D28}" type="datetimeFigureOut">
               <a:rPr lang="fr-CA" smtClean="0"/>
-              <a:t>2019-04-01</a:t>
+              <a:t>2019-04-04</a:t>
             </a:fld>
             <a:endParaRPr lang="fr-CA"/>
           </a:p>
@@ -3224,7 +3232,7 @@
           <a:p>
             <a:fld id="{7B189DDE-E0EC-44B9-B006-E3AF731F6D28}" type="datetimeFigureOut">
               <a:rPr lang="fr-CA" smtClean="0"/>
-              <a:t>2019-04-01</a:t>
+              <a:t>2019-04-04</a:t>
             </a:fld>
             <a:endParaRPr lang="fr-CA"/>
           </a:p>
@@ -3394,7 +3402,7 @@
           <a:p>
             <a:fld id="{7B189DDE-E0EC-44B9-B006-E3AF731F6D28}" type="datetimeFigureOut">
               <a:rPr lang="fr-CA" smtClean="0"/>
-              <a:t>2019-04-01</a:t>
+              <a:t>2019-04-04</a:t>
             </a:fld>
             <a:endParaRPr lang="fr-CA"/>
           </a:p>
@@ -3651,7 +3659,7 @@
           <a:p>
             <a:fld id="{7B189DDE-E0EC-44B9-B006-E3AF731F6D28}" type="datetimeFigureOut">
               <a:rPr lang="fr-CA" smtClean="0"/>
-              <a:t>2019-04-01</a:t>
+              <a:t>2019-04-04</a:t>
             </a:fld>
             <a:endParaRPr lang="fr-CA"/>
           </a:p>
@@ -3943,7 +3951,7 @@
           <a:p>
             <a:fld id="{7B189DDE-E0EC-44B9-B006-E3AF731F6D28}" type="datetimeFigureOut">
               <a:rPr lang="fr-CA" smtClean="0"/>
-              <a:t>2019-04-01</a:t>
+              <a:t>2019-04-04</a:t>
             </a:fld>
             <a:endParaRPr lang="fr-CA"/>
           </a:p>
@@ -4373,7 +4381,7 @@
           <a:p>
             <a:fld id="{7B189DDE-E0EC-44B9-B006-E3AF731F6D28}" type="datetimeFigureOut">
               <a:rPr lang="fr-CA" smtClean="0"/>
-              <a:t>2019-04-01</a:t>
+              <a:t>2019-04-04</a:t>
             </a:fld>
             <a:endParaRPr lang="fr-CA"/>
           </a:p>
@@ -4491,7 +4499,7 @@
           <a:p>
             <a:fld id="{7B189DDE-E0EC-44B9-B006-E3AF731F6D28}" type="datetimeFigureOut">
               <a:rPr lang="fr-CA" smtClean="0"/>
-              <a:t>2019-04-01</a:t>
+              <a:t>2019-04-04</a:t>
             </a:fld>
             <a:endParaRPr lang="fr-CA"/>
           </a:p>
@@ -4586,7 +4594,7 @@
           <a:p>
             <a:fld id="{7B189DDE-E0EC-44B9-B006-E3AF731F6D28}" type="datetimeFigureOut">
               <a:rPr lang="fr-CA" smtClean="0"/>
-              <a:t>2019-04-01</a:t>
+              <a:t>2019-04-04</a:t>
             </a:fld>
             <a:endParaRPr lang="fr-CA"/>
           </a:p>
@@ -4869,7 +4877,7 @@
           <a:p>
             <a:fld id="{7B189DDE-E0EC-44B9-B006-E3AF731F6D28}" type="datetimeFigureOut">
               <a:rPr lang="fr-CA" smtClean="0"/>
-              <a:t>2019-04-01</a:t>
+              <a:t>2019-04-04</a:t>
             </a:fld>
             <a:endParaRPr lang="fr-CA"/>
           </a:p>
@@ -5160,7 +5168,7 @@
           <a:p>
             <a:fld id="{7B189DDE-E0EC-44B9-B006-E3AF731F6D28}" type="datetimeFigureOut">
               <a:rPr lang="fr-CA" smtClean="0"/>
-              <a:t>2019-04-01</a:t>
+              <a:t>2019-04-04</a:t>
             </a:fld>
             <a:endParaRPr lang="fr-CA"/>
           </a:p>
@@ -5391,7 +5399,7 @@
           <a:p>
             <a:fld id="{7B189DDE-E0EC-44B9-B006-E3AF731F6D28}" type="datetimeFigureOut">
               <a:rPr lang="fr-CA" smtClean="0"/>
-              <a:t>2019-04-01</a:t>
+              <a:t>2019-04-04</a:t>
             </a:fld>
             <a:endParaRPr lang="fr-CA"/>
           </a:p>
@@ -6428,13 +6436,13 @@
   <p:clrMapOvr>
     <a:masterClrMapping/>
   </p:clrMapOvr>
-  <mc:AlternateContent xmlns:mc="http://schemas.openxmlformats.org/markup-compatibility/2006">
-    <mc:Choice xmlns:p14="http://schemas.microsoft.com/office/powerpoint/2010/main" Requires="p14">
+  <mc:AlternateContent xmlns:mc="http://schemas.openxmlformats.org/markup-compatibility/2006" xmlns:p14="http://schemas.microsoft.com/office/powerpoint/2010/main">
+    <mc:Choice Requires="p14">
       <p:transition spd="med" p14:dur="700">
         <p:fade/>
       </p:transition>
     </mc:Choice>
-    <mc:Fallback>
+    <mc:Fallback xmlns="">
       <p:transition spd="med">
         <p:fade/>
       </p:transition>
@@ -6596,13 +6604,13 @@
   <p:clrMapOvr>
     <a:masterClrMapping/>
   </p:clrMapOvr>
-  <mc:AlternateContent xmlns:mc="http://schemas.openxmlformats.org/markup-compatibility/2006">
-    <mc:Choice xmlns:p14="http://schemas.microsoft.com/office/powerpoint/2010/main" Requires="p14">
+  <mc:AlternateContent xmlns:mc="http://schemas.openxmlformats.org/markup-compatibility/2006" xmlns:p14="http://schemas.microsoft.com/office/powerpoint/2010/main">
+    <mc:Choice Requires="p14">
       <p:transition spd="med" p14:dur="700">
         <p:fade/>
       </p:transition>
     </mc:Choice>
-    <mc:Fallback>
+    <mc:Fallback xmlns="">
       <p:transition spd="med">
         <p:fade/>
       </p:transition>
@@ -6749,13 +6757,13 @@
   <p:clrMapOvr>
     <a:masterClrMapping/>
   </p:clrMapOvr>
-  <mc:AlternateContent xmlns:mc="http://schemas.openxmlformats.org/markup-compatibility/2006">
-    <mc:Choice xmlns:p14="http://schemas.microsoft.com/office/powerpoint/2010/main" Requires="p14">
+  <mc:AlternateContent xmlns:mc="http://schemas.openxmlformats.org/markup-compatibility/2006" xmlns:p14="http://schemas.microsoft.com/office/powerpoint/2010/main">
+    <mc:Choice Requires="p14">
       <p:transition spd="med" p14:dur="700">
         <p:fade/>
       </p:transition>
     </mc:Choice>
-    <mc:Fallback>
+    <mc:Fallback xmlns="">
       <p:transition spd="med">
         <p:fade/>
       </p:transition>
@@ -6822,31 +6830,185 @@
           </a:p>
         </p:txBody>
       </p:sp>
-      <p:sp>
-        <p:nvSpPr>
-          <p:cNvPr id="5" name="Espace réservé du contenu 4">
+      <p:pic>
+        <p:nvPicPr>
+          <p:cNvPr id="3" name="Image 2">
             <a:extLst>
               <a:ext uri="{FF2B5EF4-FFF2-40B4-BE49-F238E27FC236}">
-                <a16:creationId xmlns:a16="http://schemas.microsoft.com/office/drawing/2014/main" id="{B4D1A7B0-716B-4C02-AFF6-5E6910B9792E}"/>
+                <a16:creationId xmlns:a16="http://schemas.microsoft.com/office/drawing/2014/main" id="{60613D1D-8ACC-4A04-A7DB-14501352CCD9}"/>
               </a:ext>
             </a:extLst>
           </p:cNvPr>
-          <p:cNvSpPr>
-            <a:spLocks noGrp="1"/>
-          </p:cNvSpPr>
-          <p:nvPr>
-            <p:ph idx="1"/>
-          </p:nvPr>
-        </p:nvSpPr>
-        <p:spPr/>
-        <p:txBody>
-          <a:bodyPr/>
-          <a:lstStyle/>
-          <a:p>
-            <a:endParaRPr lang="fr-CA"/>
-          </a:p>
-        </p:txBody>
-      </p:sp>
+          <p:cNvPicPr>
+            <a:picLocks noChangeAspect="1"/>
+          </p:cNvPicPr>
+          <p:nvPr/>
+        </p:nvPicPr>
+        <p:blipFill>
+          <a:blip r:embed="rId2"/>
+          <a:stretch>
+            <a:fillRect/>
+          </a:stretch>
+        </p:blipFill>
+        <p:spPr>
+          <a:xfrm>
+            <a:off x="1323975" y="1356137"/>
+            <a:ext cx="9544050" cy="5353050"/>
+          </a:xfrm>
+          <a:prstGeom prst="rect">
+            <a:avLst/>
+          </a:prstGeom>
+        </p:spPr>
+      </p:pic>
+      <p:pic>
+        <p:nvPicPr>
+          <p:cNvPr id="4" name="Image 3">
+            <a:extLst>
+              <a:ext uri="{FF2B5EF4-FFF2-40B4-BE49-F238E27FC236}">
+                <a16:creationId xmlns:a16="http://schemas.microsoft.com/office/drawing/2014/main" id="{A83ED873-1281-4E0A-A7B6-F3EE77C21FA4}"/>
+              </a:ext>
+            </a:extLst>
+          </p:cNvPr>
+          <p:cNvPicPr>
+            <a:picLocks noChangeAspect="1"/>
+          </p:cNvPicPr>
+          <p:nvPr/>
+        </p:nvPicPr>
+        <p:blipFill>
+          <a:blip r:embed="rId3"/>
+          <a:stretch>
+            <a:fillRect/>
+          </a:stretch>
+        </p:blipFill>
+        <p:spPr>
+          <a:xfrm>
+            <a:off x="1323975" y="1356137"/>
+            <a:ext cx="3719916" cy="5353050"/>
+          </a:xfrm>
+          <a:prstGeom prst="rect">
+            <a:avLst/>
+          </a:prstGeom>
+        </p:spPr>
+      </p:pic>
+      <p:pic>
+        <p:nvPicPr>
+          <p:cNvPr id="6" name="Image 5">
+            <a:extLst>
+              <a:ext uri="{FF2B5EF4-FFF2-40B4-BE49-F238E27FC236}">
+                <a16:creationId xmlns:a16="http://schemas.microsoft.com/office/drawing/2014/main" id="{02FAB3AE-0598-4B27-AE7C-5DCFA0471E7F}"/>
+              </a:ext>
+            </a:extLst>
+          </p:cNvPr>
+          <p:cNvPicPr>
+            <a:picLocks noChangeAspect="1"/>
+          </p:cNvPicPr>
+          <p:nvPr/>
+        </p:nvPicPr>
+        <p:blipFill rotWithShape="1">
+          <a:blip r:embed="rId4"/>
+          <a:srcRect r="42659"/>
+          <a:stretch/>
+        </p:blipFill>
+        <p:spPr>
+          <a:xfrm>
+            <a:off x="6967135" y="1356137"/>
+            <a:ext cx="3900890" cy="5189215"/>
+          </a:xfrm>
+          <a:prstGeom prst="rect">
+            <a:avLst/>
+          </a:prstGeom>
+        </p:spPr>
+      </p:pic>
+      <p:pic>
+        <p:nvPicPr>
+          <p:cNvPr id="7" name="Image 6">
+            <a:extLst>
+              <a:ext uri="{FF2B5EF4-FFF2-40B4-BE49-F238E27FC236}">
+                <a16:creationId xmlns:a16="http://schemas.microsoft.com/office/drawing/2014/main" id="{937A7788-E878-4320-8073-758F2C09D84B}"/>
+              </a:ext>
+            </a:extLst>
+          </p:cNvPr>
+          <p:cNvPicPr>
+            <a:picLocks noChangeAspect="1"/>
+          </p:cNvPicPr>
+          <p:nvPr/>
+        </p:nvPicPr>
+        <p:blipFill>
+          <a:blip r:embed="rId5"/>
+          <a:stretch>
+            <a:fillRect/>
+          </a:stretch>
+        </p:blipFill>
+        <p:spPr>
+          <a:xfrm>
+            <a:off x="285175" y="2460987"/>
+            <a:ext cx="4171320" cy="2979514"/>
+          </a:xfrm>
+          <a:prstGeom prst="rect">
+            <a:avLst/>
+          </a:prstGeom>
+        </p:spPr>
+      </p:pic>
+      <p:pic>
+        <p:nvPicPr>
+          <p:cNvPr id="8" name="Image 7">
+            <a:extLst>
+              <a:ext uri="{FF2B5EF4-FFF2-40B4-BE49-F238E27FC236}">
+                <a16:creationId xmlns:a16="http://schemas.microsoft.com/office/drawing/2014/main" id="{180DF753-7E47-4AA0-BE52-6B552C2ABD28}"/>
+              </a:ext>
+            </a:extLst>
+          </p:cNvPr>
+          <p:cNvPicPr>
+            <a:picLocks noChangeAspect="1"/>
+          </p:cNvPicPr>
+          <p:nvPr/>
+        </p:nvPicPr>
+        <p:blipFill>
+          <a:blip r:embed="rId6"/>
+          <a:stretch>
+            <a:fillRect/>
+          </a:stretch>
+        </p:blipFill>
+        <p:spPr>
+          <a:xfrm>
+            <a:off x="4714647" y="1933694"/>
+            <a:ext cx="7115577" cy="4131625"/>
+          </a:xfrm>
+          <a:prstGeom prst="rect">
+            <a:avLst/>
+          </a:prstGeom>
+        </p:spPr>
+      </p:pic>
+      <p:pic>
+        <p:nvPicPr>
+          <p:cNvPr id="9" name="Image 8">
+            <a:extLst>
+              <a:ext uri="{FF2B5EF4-FFF2-40B4-BE49-F238E27FC236}">
+                <a16:creationId xmlns:a16="http://schemas.microsoft.com/office/drawing/2014/main" id="{DF513436-6314-4FBC-A7DC-B7358FC06066}"/>
+              </a:ext>
+            </a:extLst>
+          </p:cNvPr>
+          <p:cNvPicPr>
+            <a:picLocks noChangeAspect="1"/>
+          </p:cNvPicPr>
+          <p:nvPr/>
+        </p:nvPicPr>
+        <p:blipFill>
+          <a:blip r:embed="rId7"/>
+          <a:stretch>
+            <a:fillRect/>
+          </a:stretch>
+        </p:blipFill>
+        <p:spPr>
+          <a:xfrm>
+            <a:off x="3861095" y="2200199"/>
+            <a:ext cx="4469810" cy="2511705"/>
+          </a:xfrm>
+          <a:prstGeom prst="rect">
+            <a:avLst/>
+          </a:prstGeom>
+        </p:spPr>
+      </p:pic>
     </p:spTree>
     <p:extLst>
       <p:ext uri="{BB962C8B-B14F-4D97-AF65-F5344CB8AC3E}">
@@ -6857,18 +7019,452 @@
   <p:clrMapOvr>
     <a:masterClrMapping/>
   </p:clrMapOvr>
-  <mc:AlternateContent xmlns:mc="http://schemas.openxmlformats.org/markup-compatibility/2006">
-    <mc:Choice xmlns:p14="http://schemas.microsoft.com/office/powerpoint/2010/main" Requires="p14">
+  <mc:AlternateContent xmlns:mc="http://schemas.openxmlformats.org/markup-compatibility/2006" xmlns:p14="http://schemas.microsoft.com/office/powerpoint/2010/main">
+    <mc:Choice Requires="p14">
       <p:transition spd="med" p14:dur="700">
         <p:fade/>
       </p:transition>
     </mc:Choice>
-    <mc:Fallback>
+    <mc:Fallback xmlns="">
       <p:transition spd="med">
         <p:fade/>
       </p:transition>
     </mc:Fallback>
   </mc:AlternateContent>
+  <p:timing>
+    <p:tnLst>
+      <p:par>
+        <p:cTn id="1" dur="indefinite" restart="never" nodeType="tmRoot">
+          <p:childTnLst>
+            <p:seq concurrent="1" nextAc="seek">
+              <p:cTn id="2" dur="indefinite" nodeType="mainSeq">
+                <p:childTnLst>
+                  <p:par>
+                    <p:cTn id="3" fill="hold">
+                      <p:stCondLst>
+                        <p:cond delay="indefinite"/>
+                      </p:stCondLst>
+                      <p:childTnLst>
+                        <p:par>
+                          <p:cTn id="4" fill="hold">
+                            <p:stCondLst>
+                              <p:cond delay="0"/>
+                            </p:stCondLst>
+                            <p:childTnLst>
+                              <p:par>
+                                <p:cTn id="5" presetID="10" presetClass="exit" presetSubtype="0" fill="hold" nodeType="clickEffect">
+                                  <p:stCondLst>
+                                    <p:cond delay="0"/>
+                                  </p:stCondLst>
+                                  <p:childTnLst>
+                                    <p:animEffect transition="out" filter="fade">
+                                      <p:cBhvr>
+                                        <p:cTn id="6" dur="500"/>
+                                        <p:tgtEl>
+                                          <p:spTgt spid="3"/>
+                                        </p:tgtEl>
+                                      </p:cBhvr>
+                                    </p:animEffect>
+                                    <p:set>
+                                      <p:cBhvr>
+                                        <p:cTn id="7" dur="1" fill="hold">
+                                          <p:stCondLst>
+                                            <p:cond delay="499"/>
+                                          </p:stCondLst>
+                                        </p:cTn>
+                                        <p:tgtEl>
+                                          <p:spTgt spid="3"/>
+                                        </p:tgtEl>
+                                        <p:attrNameLst>
+                                          <p:attrName>style.visibility</p:attrName>
+                                        </p:attrNameLst>
+                                      </p:cBhvr>
+                                      <p:to>
+                                        <p:strVal val="hidden"/>
+                                      </p:to>
+                                    </p:set>
+                                  </p:childTnLst>
+                                </p:cTn>
+                              </p:par>
+                              <p:par>
+                                <p:cTn id="8" presetID="10" presetClass="entr" presetSubtype="0" fill="hold" nodeType="withEffect">
+                                  <p:stCondLst>
+                                    <p:cond delay="0"/>
+                                  </p:stCondLst>
+                                  <p:childTnLst>
+                                    <p:set>
+                                      <p:cBhvr>
+                                        <p:cTn id="9" dur="1" fill="hold">
+                                          <p:stCondLst>
+                                            <p:cond delay="0"/>
+                                          </p:stCondLst>
+                                        </p:cTn>
+                                        <p:tgtEl>
+                                          <p:spTgt spid="4"/>
+                                        </p:tgtEl>
+                                        <p:attrNameLst>
+                                          <p:attrName>style.visibility</p:attrName>
+                                        </p:attrNameLst>
+                                      </p:cBhvr>
+                                      <p:to>
+                                        <p:strVal val="visible"/>
+                                      </p:to>
+                                    </p:set>
+                                    <p:animEffect transition="in" filter="fade">
+                                      <p:cBhvr>
+                                        <p:cTn id="10" dur="500"/>
+                                        <p:tgtEl>
+                                          <p:spTgt spid="4"/>
+                                        </p:tgtEl>
+                                      </p:cBhvr>
+                                    </p:animEffect>
+                                  </p:childTnLst>
+                                </p:cTn>
+                              </p:par>
+                              <p:par>
+                                <p:cTn id="11" presetID="10" presetClass="entr" presetSubtype="0" fill="hold" nodeType="withEffect">
+                                  <p:stCondLst>
+                                    <p:cond delay="0"/>
+                                  </p:stCondLst>
+                                  <p:childTnLst>
+                                    <p:set>
+                                      <p:cBhvr>
+                                        <p:cTn id="12" dur="1" fill="hold">
+                                          <p:stCondLst>
+                                            <p:cond delay="0"/>
+                                          </p:stCondLst>
+                                        </p:cTn>
+                                        <p:tgtEl>
+                                          <p:spTgt spid="6"/>
+                                        </p:tgtEl>
+                                        <p:attrNameLst>
+                                          <p:attrName>style.visibility</p:attrName>
+                                        </p:attrNameLst>
+                                      </p:cBhvr>
+                                      <p:to>
+                                        <p:strVal val="visible"/>
+                                      </p:to>
+                                    </p:set>
+                                    <p:animEffect transition="in" filter="fade">
+                                      <p:cBhvr>
+                                        <p:cTn id="13" dur="500"/>
+                                        <p:tgtEl>
+                                          <p:spTgt spid="6"/>
+                                        </p:tgtEl>
+                                      </p:cBhvr>
+                                    </p:animEffect>
+                                  </p:childTnLst>
+                                </p:cTn>
+                              </p:par>
+                            </p:childTnLst>
+                          </p:cTn>
+                        </p:par>
+                      </p:childTnLst>
+                    </p:cTn>
+                  </p:par>
+                  <p:par>
+                    <p:cTn id="14" fill="hold">
+                      <p:stCondLst>
+                        <p:cond delay="indefinite"/>
+                      </p:stCondLst>
+                      <p:childTnLst>
+                        <p:par>
+                          <p:cTn id="15" fill="hold">
+                            <p:stCondLst>
+                              <p:cond delay="0"/>
+                            </p:stCondLst>
+                            <p:childTnLst>
+                              <p:par>
+                                <p:cTn id="16" presetID="10" presetClass="exit" presetSubtype="0" fill="hold" nodeType="clickEffect">
+                                  <p:stCondLst>
+                                    <p:cond delay="0"/>
+                                  </p:stCondLst>
+                                  <p:childTnLst>
+                                    <p:animEffect transition="out" filter="fade">
+                                      <p:cBhvr>
+                                        <p:cTn id="17" dur="500"/>
+                                        <p:tgtEl>
+                                          <p:spTgt spid="4"/>
+                                        </p:tgtEl>
+                                      </p:cBhvr>
+                                    </p:animEffect>
+                                    <p:set>
+                                      <p:cBhvr>
+                                        <p:cTn id="18" dur="1" fill="hold">
+                                          <p:stCondLst>
+                                            <p:cond delay="499"/>
+                                          </p:stCondLst>
+                                        </p:cTn>
+                                        <p:tgtEl>
+                                          <p:spTgt spid="4"/>
+                                        </p:tgtEl>
+                                        <p:attrNameLst>
+                                          <p:attrName>style.visibility</p:attrName>
+                                        </p:attrNameLst>
+                                      </p:cBhvr>
+                                      <p:to>
+                                        <p:strVal val="hidden"/>
+                                      </p:to>
+                                    </p:set>
+                                  </p:childTnLst>
+                                </p:cTn>
+                              </p:par>
+                              <p:par>
+                                <p:cTn id="19" presetID="10" presetClass="exit" presetSubtype="0" fill="hold" nodeType="withEffect">
+                                  <p:stCondLst>
+                                    <p:cond delay="0"/>
+                                  </p:stCondLst>
+                                  <p:childTnLst>
+                                    <p:animEffect transition="out" filter="fade">
+                                      <p:cBhvr>
+                                        <p:cTn id="20" dur="500"/>
+                                        <p:tgtEl>
+                                          <p:spTgt spid="6"/>
+                                        </p:tgtEl>
+                                      </p:cBhvr>
+                                    </p:animEffect>
+                                    <p:set>
+                                      <p:cBhvr>
+                                        <p:cTn id="21" dur="1" fill="hold">
+                                          <p:stCondLst>
+                                            <p:cond delay="499"/>
+                                          </p:stCondLst>
+                                        </p:cTn>
+                                        <p:tgtEl>
+                                          <p:spTgt spid="6"/>
+                                        </p:tgtEl>
+                                        <p:attrNameLst>
+                                          <p:attrName>style.visibility</p:attrName>
+                                        </p:attrNameLst>
+                                      </p:cBhvr>
+                                      <p:to>
+                                        <p:strVal val="hidden"/>
+                                      </p:to>
+                                    </p:set>
+                                  </p:childTnLst>
+                                </p:cTn>
+                              </p:par>
+                              <p:par>
+                                <p:cTn id="22" presetID="10" presetClass="entr" presetSubtype="0" fill="hold" nodeType="withEffect">
+                                  <p:stCondLst>
+                                    <p:cond delay="0"/>
+                                  </p:stCondLst>
+                                  <p:childTnLst>
+                                    <p:set>
+                                      <p:cBhvr>
+                                        <p:cTn id="23" dur="1" fill="hold">
+                                          <p:stCondLst>
+                                            <p:cond delay="0"/>
+                                          </p:stCondLst>
+                                        </p:cTn>
+                                        <p:tgtEl>
+                                          <p:spTgt spid="8"/>
+                                        </p:tgtEl>
+                                        <p:attrNameLst>
+                                          <p:attrName>style.visibility</p:attrName>
+                                        </p:attrNameLst>
+                                      </p:cBhvr>
+                                      <p:to>
+                                        <p:strVal val="visible"/>
+                                      </p:to>
+                                    </p:set>
+                                    <p:animEffect transition="in" filter="fade">
+                                      <p:cBhvr>
+                                        <p:cTn id="24" dur="500"/>
+                                        <p:tgtEl>
+                                          <p:spTgt spid="8"/>
+                                        </p:tgtEl>
+                                      </p:cBhvr>
+                                    </p:animEffect>
+                                  </p:childTnLst>
+                                </p:cTn>
+                              </p:par>
+                              <p:par>
+                                <p:cTn id="25" presetID="10" presetClass="entr" presetSubtype="0" fill="hold" nodeType="withEffect">
+                                  <p:stCondLst>
+                                    <p:cond delay="0"/>
+                                  </p:stCondLst>
+                                  <p:childTnLst>
+                                    <p:set>
+                                      <p:cBhvr>
+                                        <p:cTn id="26" dur="1" fill="hold">
+                                          <p:stCondLst>
+                                            <p:cond delay="0"/>
+                                          </p:stCondLst>
+                                        </p:cTn>
+                                        <p:tgtEl>
+                                          <p:spTgt spid="7"/>
+                                        </p:tgtEl>
+                                        <p:attrNameLst>
+                                          <p:attrName>style.visibility</p:attrName>
+                                        </p:attrNameLst>
+                                      </p:cBhvr>
+                                      <p:to>
+                                        <p:strVal val="visible"/>
+                                      </p:to>
+                                    </p:set>
+                                    <p:animEffect transition="in" filter="fade">
+                                      <p:cBhvr>
+                                        <p:cTn id="27" dur="500"/>
+                                        <p:tgtEl>
+                                          <p:spTgt spid="7"/>
+                                        </p:tgtEl>
+                                      </p:cBhvr>
+                                    </p:animEffect>
+                                  </p:childTnLst>
+                                </p:cTn>
+                              </p:par>
+                            </p:childTnLst>
+                          </p:cTn>
+                        </p:par>
+                      </p:childTnLst>
+                    </p:cTn>
+                  </p:par>
+                  <p:par>
+                    <p:cTn id="28" fill="hold">
+                      <p:stCondLst>
+                        <p:cond delay="indefinite"/>
+                      </p:stCondLst>
+                      <p:childTnLst>
+                        <p:par>
+                          <p:cTn id="29" fill="hold">
+                            <p:stCondLst>
+                              <p:cond delay="0"/>
+                            </p:stCondLst>
+                            <p:childTnLst>
+                              <p:par>
+                                <p:cTn id="30" presetID="10" presetClass="exit" presetSubtype="0" fill="hold" nodeType="clickEffect">
+                                  <p:stCondLst>
+                                    <p:cond delay="0"/>
+                                  </p:stCondLst>
+                                  <p:childTnLst>
+                                    <p:animEffect transition="out" filter="fade">
+                                      <p:cBhvr>
+                                        <p:cTn id="31" dur="500"/>
+                                        <p:tgtEl>
+                                          <p:spTgt spid="8"/>
+                                        </p:tgtEl>
+                                      </p:cBhvr>
+                                    </p:animEffect>
+                                    <p:set>
+                                      <p:cBhvr>
+                                        <p:cTn id="32" dur="1" fill="hold">
+                                          <p:stCondLst>
+                                            <p:cond delay="499"/>
+                                          </p:stCondLst>
+                                        </p:cTn>
+                                        <p:tgtEl>
+                                          <p:spTgt spid="8"/>
+                                        </p:tgtEl>
+                                        <p:attrNameLst>
+                                          <p:attrName>style.visibility</p:attrName>
+                                        </p:attrNameLst>
+                                      </p:cBhvr>
+                                      <p:to>
+                                        <p:strVal val="hidden"/>
+                                      </p:to>
+                                    </p:set>
+                                  </p:childTnLst>
+                                </p:cTn>
+                              </p:par>
+                              <p:par>
+                                <p:cTn id="33" presetID="10" presetClass="exit" presetSubtype="0" fill="hold" nodeType="withEffect">
+                                  <p:stCondLst>
+                                    <p:cond delay="0"/>
+                                  </p:stCondLst>
+                                  <p:childTnLst>
+                                    <p:animEffect transition="out" filter="fade">
+                                      <p:cBhvr>
+                                        <p:cTn id="34" dur="500"/>
+                                        <p:tgtEl>
+                                          <p:spTgt spid="7"/>
+                                        </p:tgtEl>
+                                      </p:cBhvr>
+                                    </p:animEffect>
+                                    <p:set>
+                                      <p:cBhvr>
+                                        <p:cTn id="35" dur="1" fill="hold">
+                                          <p:stCondLst>
+                                            <p:cond delay="499"/>
+                                          </p:stCondLst>
+                                        </p:cTn>
+                                        <p:tgtEl>
+                                          <p:spTgt spid="7"/>
+                                        </p:tgtEl>
+                                        <p:attrNameLst>
+                                          <p:attrName>style.visibility</p:attrName>
+                                        </p:attrNameLst>
+                                      </p:cBhvr>
+                                      <p:to>
+                                        <p:strVal val="hidden"/>
+                                      </p:to>
+                                    </p:set>
+                                  </p:childTnLst>
+                                </p:cTn>
+                              </p:par>
+                              <p:par>
+                                <p:cTn id="36" presetID="10" presetClass="entr" presetSubtype="0" fill="hold" nodeType="withEffect">
+                                  <p:stCondLst>
+                                    <p:cond delay="0"/>
+                                  </p:stCondLst>
+                                  <p:childTnLst>
+                                    <p:set>
+                                      <p:cBhvr>
+                                        <p:cTn id="37" dur="1" fill="hold">
+                                          <p:stCondLst>
+                                            <p:cond delay="0"/>
+                                          </p:stCondLst>
+                                        </p:cTn>
+                                        <p:tgtEl>
+                                          <p:spTgt spid="9"/>
+                                        </p:tgtEl>
+                                        <p:attrNameLst>
+                                          <p:attrName>style.visibility</p:attrName>
+                                        </p:attrNameLst>
+                                      </p:cBhvr>
+                                      <p:to>
+                                        <p:strVal val="visible"/>
+                                      </p:to>
+                                    </p:set>
+                                    <p:animEffect transition="in" filter="fade">
+                                      <p:cBhvr>
+                                        <p:cTn id="38" dur="500"/>
+                                        <p:tgtEl>
+                                          <p:spTgt spid="9"/>
+                                        </p:tgtEl>
+                                      </p:cBhvr>
+                                    </p:animEffect>
+                                  </p:childTnLst>
+                                </p:cTn>
+                              </p:par>
+                            </p:childTnLst>
+                          </p:cTn>
+                        </p:par>
+                      </p:childTnLst>
+                    </p:cTn>
+                  </p:par>
+                </p:childTnLst>
+              </p:cTn>
+              <p:prevCondLst>
+                <p:cond evt="onPrev" delay="0">
+                  <p:tgtEl>
+                    <p:sldTgt/>
+                  </p:tgtEl>
+                </p:cond>
+              </p:prevCondLst>
+              <p:nextCondLst>
+                <p:cond evt="onNext" delay="0">
+                  <p:tgtEl>
+                    <p:sldTgt/>
+                  </p:tgtEl>
+                </p:cond>
+              </p:nextCondLst>
+            </p:seq>
+          </p:childTnLst>
+        </p:cTn>
+      </p:par>
+    </p:tnLst>
+  </p:timing>
 </p:sld>
 </file>
 
@@ -6925,41 +7521,1152 @@
             </a:r>
             <a:r>
               <a:rPr lang="fr-CA" dirty="0"/>
-              <a:t> – Client </a:t>
-            </a:r>
-            <a:r>
-              <a:rPr lang="fr-CA" dirty="0" err="1"/>
-              <a:t>windows</a:t>
-            </a:r>
-            <a:endParaRPr lang="fr-CA" dirty="0"/>
-          </a:p>
-        </p:txBody>
-      </p:sp>
-      <p:sp>
-        <p:nvSpPr>
-          <p:cNvPr id="5" name="Espace réservé du contenu 4">
+              <a:t> - Web</a:t>
+            </a:r>
+          </a:p>
+        </p:txBody>
+      </p:sp>
+      <p:pic>
+        <p:nvPicPr>
+          <p:cNvPr id="3" name="Image 2">
             <a:extLst>
               <a:ext uri="{FF2B5EF4-FFF2-40B4-BE49-F238E27FC236}">
-                <a16:creationId xmlns:a16="http://schemas.microsoft.com/office/drawing/2014/main" id="{B4D1A7B0-716B-4C02-AFF6-5E6910B9792E}"/>
+                <a16:creationId xmlns:a16="http://schemas.microsoft.com/office/drawing/2014/main" id="{AB9CB702-5E5B-41D8-B92B-2CE33388C86E}"/>
               </a:ext>
             </a:extLst>
           </p:cNvPr>
-          <p:cNvSpPr>
-            <a:spLocks noGrp="1"/>
-          </p:cNvSpPr>
-          <p:nvPr>
-            <p:ph idx="1"/>
-          </p:nvPr>
-        </p:nvSpPr>
-        <p:spPr/>
+          <p:cNvPicPr>
+            <a:picLocks noChangeAspect="1"/>
+          </p:cNvPicPr>
+          <p:nvPr/>
+        </p:nvPicPr>
+        <p:blipFill>
+          <a:blip r:embed="rId2"/>
+          <a:stretch>
+            <a:fillRect/>
+          </a:stretch>
+        </p:blipFill>
+        <p:spPr>
+          <a:xfrm>
+            <a:off x="4533644" y="1453662"/>
+            <a:ext cx="3124711" cy="415836"/>
+          </a:xfrm>
+          <a:prstGeom prst="rect">
+            <a:avLst/>
+          </a:prstGeom>
+        </p:spPr>
+      </p:pic>
+      <p:pic>
+        <p:nvPicPr>
+          <p:cNvPr id="4" name="Image 3">
+            <a:extLst>
+              <a:ext uri="{FF2B5EF4-FFF2-40B4-BE49-F238E27FC236}">
+                <a16:creationId xmlns:a16="http://schemas.microsoft.com/office/drawing/2014/main" id="{76E2C587-3442-4D6B-AAEB-EA9847D2596F}"/>
+              </a:ext>
+            </a:extLst>
+          </p:cNvPr>
+          <p:cNvPicPr>
+            <a:picLocks noChangeAspect="1"/>
+          </p:cNvPicPr>
+          <p:nvPr/>
+        </p:nvPicPr>
+        <p:blipFill>
+          <a:blip r:embed="rId3"/>
+          <a:stretch>
+            <a:fillRect/>
+          </a:stretch>
+        </p:blipFill>
+        <p:spPr>
+          <a:xfrm>
+            <a:off x="424221" y="2024704"/>
+            <a:ext cx="4505325" cy="1781175"/>
+          </a:xfrm>
+          <a:prstGeom prst="rect">
+            <a:avLst/>
+          </a:prstGeom>
+        </p:spPr>
+      </p:pic>
+      <p:pic>
+        <p:nvPicPr>
+          <p:cNvPr id="5" name="Image 4">
+            <a:extLst>
+              <a:ext uri="{FF2B5EF4-FFF2-40B4-BE49-F238E27FC236}">
+                <a16:creationId xmlns:a16="http://schemas.microsoft.com/office/drawing/2014/main" id="{98444BB3-8282-4B86-A7EC-227DC439EC26}"/>
+              </a:ext>
+            </a:extLst>
+          </p:cNvPr>
+          <p:cNvPicPr>
+            <a:picLocks noChangeAspect="1"/>
+          </p:cNvPicPr>
+          <p:nvPr/>
+        </p:nvPicPr>
+        <p:blipFill>
+          <a:blip r:embed="rId4"/>
+          <a:stretch>
+            <a:fillRect/>
+          </a:stretch>
+        </p:blipFill>
+        <p:spPr>
+          <a:xfrm>
+            <a:off x="611335" y="3889164"/>
+            <a:ext cx="4109423" cy="2809586"/>
+          </a:xfrm>
+          <a:prstGeom prst="rect">
+            <a:avLst/>
+          </a:prstGeom>
+        </p:spPr>
+      </p:pic>
+      <p:pic>
+        <p:nvPicPr>
+          <p:cNvPr id="6" name="Image 5">
+            <a:extLst>
+              <a:ext uri="{FF2B5EF4-FFF2-40B4-BE49-F238E27FC236}">
+                <a16:creationId xmlns:a16="http://schemas.microsoft.com/office/drawing/2014/main" id="{435BF98C-4438-4DEF-A6FD-21F52E3673AE}"/>
+              </a:ext>
+            </a:extLst>
+          </p:cNvPr>
+          <p:cNvPicPr>
+            <a:picLocks noChangeAspect="1"/>
+          </p:cNvPicPr>
+          <p:nvPr/>
+        </p:nvPicPr>
+        <p:blipFill>
+          <a:blip r:embed="rId5"/>
+          <a:stretch>
+            <a:fillRect/>
+          </a:stretch>
+        </p:blipFill>
+        <p:spPr>
+          <a:xfrm>
+            <a:off x="6704336" y="2024704"/>
+            <a:ext cx="5063443" cy="4700427"/>
+          </a:xfrm>
+          <a:prstGeom prst="rect">
+            <a:avLst/>
+          </a:prstGeom>
+        </p:spPr>
+      </p:pic>
+    </p:spTree>
+    <p:extLst>
+      <p:ext uri="{BB962C8B-B14F-4D97-AF65-F5344CB8AC3E}">
+        <p14:creationId xmlns:p14="http://schemas.microsoft.com/office/powerpoint/2010/main" val="2056783314"/>
+      </p:ext>
+    </p:extLst>
+  </p:cSld>
+  <p:clrMapOvr>
+    <a:masterClrMapping/>
+  </p:clrMapOvr>
+  <mc:AlternateContent xmlns:mc="http://schemas.openxmlformats.org/markup-compatibility/2006" xmlns:p14="http://schemas.microsoft.com/office/powerpoint/2010/main">
+    <mc:Choice Requires="p14">
+      <p:transition spd="med" p14:dur="700">
+        <p:fade/>
+      </p:transition>
+    </mc:Choice>
+    <mc:Fallback xmlns="">
+      <p:transition spd="med">
+        <p:fade/>
+      </p:transition>
+    </mc:Fallback>
+  </mc:AlternateContent>
+  <p:timing>
+    <p:tnLst>
+      <p:par>
+        <p:cTn id="1" dur="indefinite" restart="never" nodeType="tmRoot">
+          <p:childTnLst>
+            <p:seq concurrent="1" nextAc="seek">
+              <p:cTn id="2" dur="indefinite" nodeType="mainSeq">
+                <p:childTnLst>
+                  <p:par>
+                    <p:cTn id="3" fill="hold">
+                      <p:stCondLst>
+                        <p:cond delay="indefinite"/>
+                      </p:stCondLst>
+                      <p:childTnLst>
+                        <p:par>
+                          <p:cTn id="4" fill="hold">
+                            <p:stCondLst>
+                              <p:cond delay="0"/>
+                            </p:stCondLst>
+                            <p:childTnLst>
+                              <p:par>
+                                <p:cTn id="5" presetID="10" presetClass="entr" presetSubtype="0" fill="hold" nodeType="clickEffect">
+                                  <p:stCondLst>
+                                    <p:cond delay="0"/>
+                                  </p:stCondLst>
+                                  <p:childTnLst>
+                                    <p:set>
+                                      <p:cBhvr>
+                                        <p:cTn id="6" dur="1" fill="hold">
+                                          <p:stCondLst>
+                                            <p:cond delay="0"/>
+                                          </p:stCondLst>
+                                        </p:cTn>
+                                        <p:tgtEl>
+                                          <p:spTgt spid="4"/>
+                                        </p:tgtEl>
+                                        <p:attrNameLst>
+                                          <p:attrName>style.visibility</p:attrName>
+                                        </p:attrNameLst>
+                                      </p:cBhvr>
+                                      <p:to>
+                                        <p:strVal val="visible"/>
+                                      </p:to>
+                                    </p:set>
+                                    <p:animEffect transition="in" filter="fade">
+                                      <p:cBhvr>
+                                        <p:cTn id="7" dur="500"/>
+                                        <p:tgtEl>
+                                          <p:spTgt spid="4"/>
+                                        </p:tgtEl>
+                                      </p:cBhvr>
+                                    </p:animEffect>
+                                  </p:childTnLst>
+                                </p:cTn>
+                              </p:par>
+                              <p:par>
+                                <p:cTn id="8" presetID="10" presetClass="entr" presetSubtype="0" fill="hold" nodeType="withEffect">
+                                  <p:stCondLst>
+                                    <p:cond delay="0"/>
+                                  </p:stCondLst>
+                                  <p:childTnLst>
+                                    <p:set>
+                                      <p:cBhvr>
+                                        <p:cTn id="9" dur="1" fill="hold">
+                                          <p:stCondLst>
+                                            <p:cond delay="0"/>
+                                          </p:stCondLst>
+                                        </p:cTn>
+                                        <p:tgtEl>
+                                          <p:spTgt spid="5"/>
+                                        </p:tgtEl>
+                                        <p:attrNameLst>
+                                          <p:attrName>style.visibility</p:attrName>
+                                        </p:attrNameLst>
+                                      </p:cBhvr>
+                                      <p:to>
+                                        <p:strVal val="visible"/>
+                                      </p:to>
+                                    </p:set>
+                                    <p:animEffect transition="in" filter="fade">
+                                      <p:cBhvr>
+                                        <p:cTn id="10" dur="500"/>
+                                        <p:tgtEl>
+                                          <p:spTgt spid="5"/>
+                                        </p:tgtEl>
+                                      </p:cBhvr>
+                                    </p:animEffect>
+                                  </p:childTnLst>
+                                </p:cTn>
+                              </p:par>
+                            </p:childTnLst>
+                          </p:cTn>
+                        </p:par>
+                      </p:childTnLst>
+                    </p:cTn>
+                  </p:par>
+                  <p:par>
+                    <p:cTn id="11" fill="hold">
+                      <p:stCondLst>
+                        <p:cond delay="indefinite"/>
+                      </p:stCondLst>
+                      <p:childTnLst>
+                        <p:par>
+                          <p:cTn id="12" fill="hold">
+                            <p:stCondLst>
+                              <p:cond delay="0"/>
+                            </p:stCondLst>
+                            <p:childTnLst>
+                              <p:par>
+                                <p:cTn id="13" presetID="10" presetClass="entr" presetSubtype="0" fill="hold" nodeType="clickEffect">
+                                  <p:stCondLst>
+                                    <p:cond delay="0"/>
+                                  </p:stCondLst>
+                                  <p:childTnLst>
+                                    <p:set>
+                                      <p:cBhvr>
+                                        <p:cTn id="14" dur="1" fill="hold">
+                                          <p:stCondLst>
+                                            <p:cond delay="0"/>
+                                          </p:stCondLst>
+                                        </p:cTn>
+                                        <p:tgtEl>
+                                          <p:spTgt spid="6"/>
+                                        </p:tgtEl>
+                                        <p:attrNameLst>
+                                          <p:attrName>style.visibility</p:attrName>
+                                        </p:attrNameLst>
+                                      </p:cBhvr>
+                                      <p:to>
+                                        <p:strVal val="visible"/>
+                                      </p:to>
+                                    </p:set>
+                                    <p:animEffect transition="in" filter="fade">
+                                      <p:cBhvr>
+                                        <p:cTn id="15" dur="500"/>
+                                        <p:tgtEl>
+                                          <p:spTgt spid="6"/>
+                                        </p:tgtEl>
+                                      </p:cBhvr>
+                                    </p:animEffect>
+                                  </p:childTnLst>
+                                </p:cTn>
+                              </p:par>
+                            </p:childTnLst>
+                          </p:cTn>
+                        </p:par>
+                      </p:childTnLst>
+                    </p:cTn>
+                  </p:par>
+                </p:childTnLst>
+              </p:cTn>
+              <p:prevCondLst>
+                <p:cond evt="onPrev" delay="0">
+                  <p:tgtEl>
+                    <p:sldTgt/>
+                  </p:tgtEl>
+                </p:cond>
+              </p:prevCondLst>
+              <p:nextCondLst>
+                <p:cond evt="onNext" delay="0">
+                  <p:tgtEl>
+                    <p:sldTgt/>
+                  </p:tgtEl>
+                </p:cond>
+              </p:nextCondLst>
+            </p:seq>
+          </p:childTnLst>
+        </p:cTn>
+      </p:par>
+    </p:tnLst>
+  </p:timing>
+</p:sld>
+</file>
+
+<file path=ppt/slides/slide7.xml><?xml version="1.0" encoding="utf-8"?>
+<p:sld xmlns:a="http://schemas.openxmlformats.org/drawingml/2006/main" xmlns:r="http://schemas.openxmlformats.org/officeDocument/2006/relationships" xmlns:p="http://schemas.openxmlformats.org/presentationml/2006/main">
+  <p:cSld>
+    <p:spTree>
+      <p:nvGrpSpPr>
+        <p:cNvPr id="1" name=""/>
+        <p:cNvGrpSpPr/>
+        <p:nvPr/>
+      </p:nvGrpSpPr>
+      <p:grpSpPr>
+        <a:xfrm>
+          <a:off x="0" y="0"/>
+          <a:ext cx="0" cy="0"/>
+          <a:chOff x="0" y="0"/>
+          <a:chExt cx="0" cy="0"/>
+        </a:xfrm>
+      </p:grpSpPr>
+      <p:sp>
+        <p:nvSpPr>
+          <p:cNvPr id="2" name="Titre 1">
+            <a:extLst>
+              <a:ext uri="{FF2B5EF4-FFF2-40B4-BE49-F238E27FC236}">
+                <a16:creationId xmlns:a16="http://schemas.microsoft.com/office/drawing/2014/main" id="{0E71E6AD-9496-440B-9765-B0C24DD8CFE3}"/>
+              </a:ext>
+            </a:extLst>
+          </p:cNvPr>
+          <p:cNvSpPr>
+            <a:spLocks noGrp="1"/>
+          </p:cNvSpPr>
+          <p:nvPr>
+            <p:ph type="title"/>
+          </p:nvPr>
+        </p:nvSpPr>
+        <p:spPr>
+          <a:xfrm>
+            <a:off x="1143001" y="609600"/>
+            <a:ext cx="9905998" cy="844062"/>
+          </a:xfrm>
+        </p:spPr>
         <p:txBody>
           <a:bodyPr/>
           <a:lstStyle/>
           <a:p>
-            <a:endParaRPr lang="fr-CA"/>
-          </a:p>
-        </p:txBody>
-      </p:sp>
+            <a:r>
+              <a:rPr lang="fr-CA" dirty="0"/>
+              <a:t>Utiliser </a:t>
+            </a:r>
+            <a:r>
+              <a:rPr lang="fr-CA" dirty="0" err="1"/>
+              <a:t>Github</a:t>
+            </a:r>
+            <a:r>
+              <a:rPr lang="fr-CA" dirty="0"/>
+              <a:t> - Web</a:t>
+            </a:r>
+          </a:p>
+        </p:txBody>
+      </p:sp>
+      <p:pic>
+        <p:nvPicPr>
+          <p:cNvPr id="7" name="Image 6">
+            <a:extLst>
+              <a:ext uri="{FF2B5EF4-FFF2-40B4-BE49-F238E27FC236}">
+                <a16:creationId xmlns:a16="http://schemas.microsoft.com/office/drawing/2014/main" id="{DF8A7363-B300-4F96-BCA6-2F096987B0FE}"/>
+              </a:ext>
+            </a:extLst>
+          </p:cNvPr>
+          <p:cNvPicPr>
+            <a:picLocks noChangeAspect="1"/>
+          </p:cNvPicPr>
+          <p:nvPr/>
+        </p:nvPicPr>
+        <p:blipFill>
+          <a:blip r:embed="rId2"/>
+          <a:stretch>
+            <a:fillRect/>
+          </a:stretch>
+        </p:blipFill>
+        <p:spPr>
+          <a:xfrm>
+            <a:off x="1430686" y="1453662"/>
+            <a:ext cx="9330628" cy="1211770"/>
+          </a:xfrm>
+          <a:prstGeom prst="rect">
+            <a:avLst/>
+          </a:prstGeom>
+        </p:spPr>
+      </p:pic>
+      <p:pic>
+        <p:nvPicPr>
+          <p:cNvPr id="8" name="Image 7">
+            <a:extLst>
+              <a:ext uri="{FF2B5EF4-FFF2-40B4-BE49-F238E27FC236}">
+                <a16:creationId xmlns:a16="http://schemas.microsoft.com/office/drawing/2014/main" id="{6DB86D87-A87B-46BC-9890-4A60C2C50CFC}"/>
+              </a:ext>
+            </a:extLst>
+          </p:cNvPr>
+          <p:cNvPicPr>
+            <a:picLocks noChangeAspect="1"/>
+          </p:cNvPicPr>
+          <p:nvPr/>
+        </p:nvPicPr>
+        <p:blipFill>
+          <a:blip r:embed="rId3"/>
+          <a:stretch>
+            <a:fillRect/>
+          </a:stretch>
+        </p:blipFill>
+        <p:spPr>
+          <a:xfrm>
+            <a:off x="2725850" y="1384892"/>
+            <a:ext cx="6740300" cy="5406907"/>
+          </a:xfrm>
+          <a:prstGeom prst="rect">
+            <a:avLst/>
+          </a:prstGeom>
+        </p:spPr>
+      </p:pic>
+    </p:spTree>
+    <p:extLst>
+      <p:ext uri="{BB962C8B-B14F-4D97-AF65-F5344CB8AC3E}">
+        <p14:creationId xmlns:p14="http://schemas.microsoft.com/office/powerpoint/2010/main" val="4001180391"/>
+      </p:ext>
+    </p:extLst>
+  </p:cSld>
+  <p:clrMapOvr>
+    <a:masterClrMapping/>
+  </p:clrMapOvr>
+  <mc:AlternateContent xmlns:mc="http://schemas.openxmlformats.org/markup-compatibility/2006" xmlns:p14="http://schemas.microsoft.com/office/powerpoint/2010/main">
+    <mc:Choice Requires="p14">
+      <p:transition spd="med" p14:dur="700">
+        <p:fade/>
+      </p:transition>
+    </mc:Choice>
+    <mc:Fallback xmlns="">
+      <p:transition spd="med">
+        <p:fade/>
+      </p:transition>
+    </mc:Fallback>
+  </mc:AlternateContent>
+  <p:timing>
+    <p:tnLst>
+      <p:par>
+        <p:cTn id="1" dur="indefinite" restart="never" nodeType="tmRoot">
+          <p:childTnLst>
+            <p:seq concurrent="1" nextAc="seek">
+              <p:cTn id="2" dur="indefinite" nodeType="mainSeq">
+                <p:childTnLst>
+                  <p:par>
+                    <p:cTn id="3" fill="hold">
+                      <p:stCondLst>
+                        <p:cond delay="indefinite"/>
+                      </p:stCondLst>
+                      <p:childTnLst>
+                        <p:par>
+                          <p:cTn id="4" fill="hold">
+                            <p:stCondLst>
+                              <p:cond delay="0"/>
+                            </p:stCondLst>
+                            <p:childTnLst>
+                              <p:par>
+                                <p:cTn id="5" presetID="10" presetClass="exit" presetSubtype="0" fill="hold" nodeType="clickEffect">
+                                  <p:stCondLst>
+                                    <p:cond delay="0"/>
+                                  </p:stCondLst>
+                                  <p:childTnLst>
+                                    <p:animEffect transition="out" filter="fade">
+                                      <p:cBhvr>
+                                        <p:cTn id="6" dur="500"/>
+                                        <p:tgtEl>
+                                          <p:spTgt spid="7"/>
+                                        </p:tgtEl>
+                                      </p:cBhvr>
+                                    </p:animEffect>
+                                    <p:set>
+                                      <p:cBhvr>
+                                        <p:cTn id="7" dur="1" fill="hold">
+                                          <p:stCondLst>
+                                            <p:cond delay="499"/>
+                                          </p:stCondLst>
+                                        </p:cTn>
+                                        <p:tgtEl>
+                                          <p:spTgt spid="7"/>
+                                        </p:tgtEl>
+                                        <p:attrNameLst>
+                                          <p:attrName>style.visibility</p:attrName>
+                                        </p:attrNameLst>
+                                      </p:cBhvr>
+                                      <p:to>
+                                        <p:strVal val="hidden"/>
+                                      </p:to>
+                                    </p:set>
+                                  </p:childTnLst>
+                                </p:cTn>
+                              </p:par>
+                              <p:par>
+                                <p:cTn id="8" presetID="10" presetClass="entr" presetSubtype="0" fill="hold" nodeType="withEffect">
+                                  <p:stCondLst>
+                                    <p:cond delay="0"/>
+                                  </p:stCondLst>
+                                  <p:childTnLst>
+                                    <p:set>
+                                      <p:cBhvr>
+                                        <p:cTn id="9" dur="1" fill="hold">
+                                          <p:stCondLst>
+                                            <p:cond delay="0"/>
+                                          </p:stCondLst>
+                                        </p:cTn>
+                                        <p:tgtEl>
+                                          <p:spTgt spid="8"/>
+                                        </p:tgtEl>
+                                        <p:attrNameLst>
+                                          <p:attrName>style.visibility</p:attrName>
+                                        </p:attrNameLst>
+                                      </p:cBhvr>
+                                      <p:to>
+                                        <p:strVal val="visible"/>
+                                      </p:to>
+                                    </p:set>
+                                    <p:animEffect transition="in" filter="fade">
+                                      <p:cBhvr>
+                                        <p:cTn id="10" dur="500"/>
+                                        <p:tgtEl>
+                                          <p:spTgt spid="8"/>
+                                        </p:tgtEl>
+                                      </p:cBhvr>
+                                    </p:animEffect>
+                                  </p:childTnLst>
+                                </p:cTn>
+                              </p:par>
+                            </p:childTnLst>
+                          </p:cTn>
+                        </p:par>
+                      </p:childTnLst>
+                    </p:cTn>
+                  </p:par>
+                </p:childTnLst>
+              </p:cTn>
+              <p:prevCondLst>
+                <p:cond evt="onPrev" delay="0">
+                  <p:tgtEl>
+                    <p:sldTgt/>
+                  </p:tgtEl>
+                </p:cond>
+              </p:prevCondLst>
+              <p:nextCondLst>
+                <p:cond evt="onNext" delay="0">
+                  <p:tgtEl>
+                    <p:sldTgt/>
+                  </p:tgtEl>
+                </p:cond>
+              </p:nextCondLst>
+            </p:seq>
+          </p:childTnLst>
+        </p:cTn>
+      </p:par>
+    </p:tnLst>
+  </p:timing>
+</p:sld>
+</file>
+
+<file path=ppt/slides/slide8.xml><?xml version="1.0" encoding="utf-8"?>
+<p:sld xmlns:a="http://schemas.openxmlformats.org/drawingml/2006/main" xmlns:r="http://schemas.openxmlformats.org/officeDocument/2006/relationships" xmlns:p="http://schemas.openxmlformats.org/presentationml/2006/main">
+  <p:cSld>
+    <p:spTree>
+      <p:nvGrpSpPr>
+        <p:cNvPr id="1" name=""/>
+        <p:cNvGrpSpPr/>
+        <p:nvPr/>
+      </p:nvGrpSpPr>
+      <p:grpSpPr>
+        <a:xfrm>
+          <a:off x="0" y="0"/>
+          <a:ext cx="0" cy="0"/>
+          <a:chOff x="0" y="0"/>
+          <a:chExt cx="0" cy="0"/>
+        </a:xfrm>
+      </p:grpSpPr>
+      <p:sp>
+        <p:nvSpPr>
+          <p:cNvPr id="2" name="Titre 1">
+            <a:extLst>
+              <a:ext uri="{FF2B5EF4-FFF2-40B4-BE49-F238E27FC236}">
+                <a16:creationId xmlns:a16="http://schemas.microsoft.com/office/drawing/2014/main" id="{0E71E6AD-9496-440B-9765-B0C24DD8CFE3}"/>
+              </a:ext>
+            </a:extLst>
+          </p:cNvPr>
+          <p:cNvSpPr>
+            <a:spLocks noGrp="1"/>
+          </p:cNvSpPr>
+          <p:nvPr>
+            <p:ph type="title"/>
+          </p:nvPr>
+        </p:nvSpPr>
+        <p:spPr>
+          <a:xfrm>
+            <a:off x="1143001" y="609600"/>
+            <a:ext cx="9905998" cy="844062"/>
+          </a:xfrm>
+        </p:spPr>
+        <p:txBody>
+          <a:bodyPr/>
+          <a:lstStyle/>
+          <a:p>
+            <a:r>
+              <a:rPr lang="fr-CA" dirty="0"/>
+              <a:t>Utiliser </a:t>
+            </a:r>
+            <a:r>
+              <a:rPr lang="fr-CA" dirty="0" err="1"/>
+              <a:t>Github</a:t>
+            </a:r>
+            <a:r>
+              <a:rPr lang="fr-CA" dirty="0"/>
+              <a:t> - Web</a:t>
+            </a:r>
+          </a:p>
+        </p:txBody>
+      </p:sp>
+      <p:pic>
+        <p:nvPicPr>
+          <p:cNvPr id="3" name="Image 2">
+            <a:extLst>
+              <a:ext uri="{FF2B5EF4-FFF2-40B4-BE49-F238E27FC236}">
+                <a16:creationId xmlns:a16="http://schemas.microsoft.com/office/drawing/2014/main" id="{4532C117-495F-45A5-973B-42C34494AA57}"/>
+              </a:ext>
+            </a:extLst>
+          </p:cNvPr>
+          <p:cNvPicPr>
+            <a:picLocks noChangeAspect="1"/>
+          </p:cNvPicPr>
+          <p:nvPr/>
+        </p:nvPicPr>
+        <p:blipFill>
+          <a:blip r:embed="rId2"/>
+          <a:stretch>
+            <a:fillRect/>
+          </a:stretch>
+        </p:blipFill>
+        <p:spPr>
+          <a:xfrm>
+            <a:off x="2862770" y="1453662"/>
+            <a:ext cx="6466459" cy="5203896"/>
+          </a:xfrm>
+          <a:prstGeom prst="rect">
+            <a:avLst/>
+          </a:prstGeom>
+        </p:spPr>
+      </p:pic>
+      <p:pic>
+        <p:nvPicPr>
+          <p:cNvPr id="4" name="Image 3">
+            <a:extLst>
+              <a:ext uri="{FF2B5EF4-FFF2-40B4-BE49-F238E27FC236}">
+                <a16:creationId xmlns:a16="http://schemas.microsoft.com/office/drawing/2014/main" id="{7E3BA7DA-B35F-40BE-B139-8080BA1F9096}"/>
+              </a:ext>
+            </a:extLst>
+          </p:cNvPr>
+          <p:cNvPicPr>
+            <a:picLocks noChangeAspect="1"/>
+          </p:cNvPicPr>
+          <p:nvPr/>
+        </p:nvPicPr>
+        <p:blipFill>
+          <a:blip r:embed="rId3"/>
+          <a:stretch>
+            <a:fillRect/>
+          </a:stretch>
+        </p:blipFill>
+        <p:spPr>
+          <a:xfrm>
+            <a:off x="2899565" y="1628211"/>
+            <a:ext cx="6392868" cy="4854798"/>
+          </a:xfrm>
+          <a:prstGeom prst="rect">
+            <a:avLst/>
+          </a:prstGeom>
+        </p:spPr>
+      </p:pic>
+    </p:spTree>
+    <p:extLst>
+      <p:ext uri="{BB962C8B-B14F-4D97-AF65-F5344CB8AC3E}">
+        <p14:creationId xmlns:p14="http://schemas.microsoft.com/office/powerpoint/2010/main" val="3497018122"/>
+      </p:ext>
+    </p:extLst>
+  </p:cSld>
+  <p:clrMapOvr>
+    <a:masterClrMapping/>
+  </p:clrMapOvr>
+  <mc:AlternateContent xmlns:mc="http://schemas.openxmlformats.org/markup-compatibility/2006" xmlns:p14="http://schemas.microsoft.com/office/powerpoint/2010/main">
+    <mc:Choice Requires="p14">
+      <p:transition spd="med" p14:dur="700">
+        <p:fade/>
+      </p:transition>
+    </mc:Choice>
+    <mc:Fallback xmlns="">
+      <p:transition spd="med">
+        <p:fade/>
+      </p:transition>
+    </mc:Fallback>
+  </mc:AlternateContent>
+  <p:timing>
+    <p:tnLst>
+      <p:par>
+        <p:cTn id="1" dur="indefinite" restart="never" nodeType="tmRoot">
+          <p:childTnLst>
+            <p:seq concurrent="1" nextAc="seek">
+              <p:cTn id="2" dur="indefinite" nodeType="mainSeq">
+                <p:childTnLst>
+                  <p:par>
+                    <p:cTn id="3" fill="hold">
+                      <p:stCondLst>
+                        <p:cond delay="indefinite"/>
+                      </p:stCondLst>
+                      <p:childTnLst>
+                        <p:par>
+                          <p:cTn id="4" fill="hold">
+                            <p:stCondLst>
+                              <p:cond delay="0"/>
+                            </p:stCondLst>
+                            <p:childTnLst>
+                              <p:par>
+                                <p:cTn id="5" presetID="10" presetClass="exit" presetSubtype="0" fill="hold" nodeType="clickEffect">
+                                  <p:stCondLst>
+                                    <p:cond delay="0"/>
+                                  </p:stCondLst>
+                                  <p:childTnLst>
+                                    <p:animEffect transition="out" filter="fade">
+                                      <p:cBhvr>
+                                        <p:cTn id="6" dur="500"/>
+                                        <p:tgtEl>
+                                          <p:spTgt spid="3"/>
+                                        </p:tgtEl>
+                                      </p:cBhvr>
+                                    </p:animEffect>
+                                    <p:set>
+                                      <p:cBhvr>
+                                        <p:cTn id="7" dur="1" fill="hold">
+                                          <p:stCondLst>
+                                            <p:cond delay="499"/>
+                                          </p:stCondLst>
+                                        </p:cTn>
+                                        <p:tgtEl>
+                                          <p:spTgt spid="3"/>
+                                        </p:tgtEl>
+                                        <p:attrNameLst>
+                                          <p:attrName>style.visibility</p:attrName>
+                                        </p:attrNameLst>
+                                      </p:cBhvr>
+                                      <p:to>
+                                        <p:strVal val="hidden"/>
+                                      </p:to>
+                                    </p:set>
+                                  </p:childTnLst>
+                                </p:cTn>
+                              </p:par>
+                              <p:par>
+                                <p:cTn id="8" presetID="10" presetClass="entr" presetSubtype="0" fill="hold" nodeType="withEffect">
+                                  <p:stCondLst>
+                                    <p:cond delay="0"/>
+                                  </p:stCondLst>
+                                  <p:childTnLst>
+                                    <p:set>
+                                      <p:cBhvr>
+                                        <p:cTn id="9" dur="1" fill="hold">
+                                          <p:stCondLst>
+                                            <p:cond delay="0"/>
+                                          </p:stCondLst>
+                                        </p:cTn>
+                                        <p:tgtEl>
+                                          <p:spTgt spid="4"/>
+                                        </p:tgtEl>
+                                        <p:attrNameLst>
+                                          <p:attrName>style.visibility</p:attrName>
+                                        </p:attrNameLst>
+                                      </p:cBhvr>
+                                      <p:to>
+                                        <p:strVal val="visible"/>
+                                      </p:to>
+                                    </p:set>
+                                    <p:animEffect transition="in" filter="fade">
+                                      <p:cBhvr>
+                                        <p:cTn id="10" dur="500"/>
+                                        <p:tgtEl>
+                                          <p:spTgt spid="4"/>
+                                        </p:tgtEl>
+                                      </p:cBhvr>
+                                    </p:animEffect>
+                                  </p:childTnLst>
+                                </p:cTn>
+                              </p:par>
+                            </p:childTnLst>
+                          </p:cTn>
+                        </p:par>
+                      </p:childTnLst>
+                    </p:cTn>
+                  </p:par>
+                </p:childTnLst>
+              </p:cTn>
+              <p:prevCondLst>
+                <p:cond evt="onPrev" delay="0">
+                  <p:tgtEl>
+                    <p:sldTgt/>
+                  </p:tgtEl>
+                </p:cond>
+              </p:prevCondLst>
+              <p:nextCondLst>
+                <p:cond evt="onNext" delay="0">
+                  <p:tgtEl>
+                    <p:sldTgt/>
+                  </p:tgtEl>
+                </p:cond>
+              </p:nextCondLst>
+            </p:seq>
+          </p:childTnLst>
+        </p:cTn>
+      </p:par>
+    </p:tnLst>
+  </p:timing>
+</p:sld>
+</file>
+
+<file path=ppt/slides/slide9.xml><?xml version="1.0" encoding="utf-8"?>
+<p:sld xmlns:a="http://schemas.openxmlformats.org/drawingml/2006/main" xmlns:r="http://schemas.openxmlformats.org/officeDocument/2006/relationships" xmlns:p="http://schemas.openxmlformats.org/presentationml/2006/main">
+  <p:cSld>
+    <p:spTree>
+      <p:nvGrpSpPr>
+        <p:cNvPr id="1" name=""/>
+        <p:cNvGrpSpPr/>
+        <p:nvPr/>
+      </p:nvGrpSpPr>
+      <p:grpSpPr>
+        <a:xfrm>
+          <a:off x="0" y="0"/>
+          <a:ext cx="0" cy="0"/>
+          <a:chOff x="0" y="0"/>
+          <a:chExt cx="0" cy="0"/>
+        </a:xfrm>
+      </p:grpSpPr>
+      <p:sp>
+        <p:nvSpPr>
+          <p:cNvPr id="2" name="Titre 1">
+            <a:extLst>
+              <a:ext uri="{FF2B5EF4-FFF2-40B4-BE49-F238E27FC236}">
+                <a16:creationId xmlns:a16="http://schemas.microsoft.com/office/drawing/2014/main" id="{0E71E6AD-9496-440B-9765-B0C24DD8CFE3}"/>
+              </a:ext>
+            </a:extLst>
+          </p:cNvPr>
+          <p:cNvSpPr>
+            <a:spLocks noGrp="1"/>
+          </p:cNvSpPr>
+          <p:nvPr>
+            <p:ph type="title"/>
+          </p:nvPr>
+        </p:nvSpPr>
+        <p:spPr>
+          <a:xfrm>
+            <a:off x="1784269" y="644769"/>
+            <a:ext cx="9905998" cy="844062"/>
+          </a:xfrm>
+        </p:spPr>
+        <p:txBody>
+          <a:bodyPr/>
+          <a:lstStyle/>
+          <a:p>
+            <a:r>
+              <a:rPr lang="fr-CA" dirty="0"/>
+              <a:t>Utiliser </a:t>
+            </a:r>
+            <a:r>
+              <a:rPr lang="fr-CA" dirty="0" err="1"/>
+              <a:t>Github</a:t>
+            </a:r>
+            <a:r>
+              <a:rPr lang="fr-CA" dirty="0"/>
+              <a:t> – Client </a:t>
+            </a:r>
+            <a:r>
+              <a:rPr lang="fr-CA" dirty="0" err="1"/>
+              <a:t>windows</a:t>
+            </a:r>
+            <a:endParaRPr lang="fr-CA" dirty="0"/>
+          </a:p>
+        </p:txBody>
+      </p:sp>
+      <p:pic>
+        <p:nvPicPr>
+          <p:cNvPr id="3" name="Image 2">
+            <a:extLst>
+              <a:ext uri="{FF2B5EF4-FFF2-40B4-BE49-F238E27FC236}">
+                <a16:creationId xmlns:a16="http://schemas.microsoft.com/office/drawing/2014/main" id="{CF522313-B045-4B93-96B8-D13FD640EC9D}"/>
+              </a:ext>
+            </a:extLst>
+          </p:cNvPr>
+          <p:cNvPicPr>
+            <a:picLocks noChangeAspect="1"/>
+          </p:cNvPicPr>
+          <p:nvPr/>
+        </p:nvPicPr>
+        <p:blipFill>
+          <a:blip r:embed="rId2"/>
+          <a:stretch>
+            <a:fillRect/>
+          </a:stretch>
+        </p:blipFill>
+        <p:spPr>
+          <a:xfrm>
+            <a:off x="612775" y="661987"/>
+            <a:ext cx="1057275" cy="809625"/>
+          </a:xfrm>
+          <a:prstGeom prst="rect">
+            <a:avLst/>
+          </a:prstGeom>
+        </p:spPr>
+      </p:pic>
+      <p:pic>
+        <p:nvPicPr>
+          <p:cNvPr id="6" name="Image 5">
+            <a:extLst>
+              <a:ext uri="{FF2B5EF4-FFF2-40B4-BE49-F238E27FC236}">
+                <a16:creationId xmlns:a16="http://schemas.microsoft.com/office/drawing/2014/main" id="{254D890F-E8A7-40B5-82DF-389BF9BC7D69}"/>
+              </a:ext>
+            </a:extLst>
+          </p:cNvPr>
+          <p:cNvPicPr>
+            <a:picLocks noChangeAspect="1"/>
+          </p:cNvPicPr>
+          <p:nvPr/>
+        </p:nvPicPr>
+        <p:blipFill>
+          <a:blip r:embed="rId3"/>
+          <a:stretch>
+            <a:fillRect/>
+          </a:stretch>
+        </p:blipFill>
+        <p:spPr>
+          <a:xfrm>
+            <a:off x="1820881" y="3006969"/>
+            <a:ext cx="8550238" cy="844062"/>
+          </a:xfrm>
+          <a:prstGeom prst="rect">
+            <a:avLst/>
+          </a:prstGeom>
+        </p:spPr>
+      </p:pic>
+      <p:pic>
+        <p:nvPicPr>
+          <p:cNvPr id="7" name="Image 6">
+            <a:extLst>
+              <a:ext uri="{FF2B5EF4-FFF2-40B4-BE49-F238E27FC236}">
+                <a16:creationId xmlns:a16="http://schemas.microsoft.com/office/drawing/2014/main" id="{0781E721-0B92-4191-BCE3-A4DC72C7DCD0}"/>
+              </a:ext>
+            </a:extLst>
+          </p:cNvPr>
+          <p:cNvPicPr>
+            <a:picLocks noChangeAspect="1"/>
+          </p:cNvPicPr>
+          <p:nvPr/>
+        </p:nvPicPr>
+        <p:blipFill>
+          <a:blip r:embed="rId4"/>
+          <a:stretch>
+            <a:fillRect/>
+          </a:stretch>
+        </p:blipFill>
+        <p:spPr>
+          <a:xfrm>
+            <a:off x="2328298" y="1471612"/>
+            <a:ext cx="6827578" cy="5281579"/>
+          </a:xfrm>
+          <a:prstGeom prst="rect">
+            <a:avLst/>
+          </a:prstGeom>
+        </p:spPr>
+      </p:pic>
+      <p:pic>
+        <p:nvPicPr>
+          <p:cNvPr id="8" name="Image 7">
+            <a:extLst>
+              <a:ext uri="{FF2B5EF4-FFF2-40B4-BE49-F238E27FC236}">
+                <a16:creationId xmlns:a16="http://schemas.microsoft.com/office/drawing/2014/main" id="{1383A301-DA83-4FCE-AD68-C3ED9F7C069A}"/>
+              </a:ext>
+            </a:extLst>
+          </p:cNvPr>
+          <p:cNvPicPr>
+            <a:picLocks noChangeAspect="1"/>
+          </p:cNvPicPr>
+          <p:nvPr/>
+        </p:nvPicPr>
+        <p:blipFill>
+          <a:blip r:embed="rId5"/>
+          <a:stretch>
+            <a:fillRect/>
+          </a:stretch>
+        </p:blipFill>
+        <p:spPr>
+          <a:xfrm>
+            <a:off x="2317849" y="1793063"/>
+            <a:ext cx="6848475" cy="4638675"/>
+          </a:xfrm>
+          <a:prstGeom prst="rect">
+            <a:avLst/>
+          </a:prstGeom>
+        </p:spPr>
+      </p:pic>
+      <p:pic>
+        <p:nvPicPr>
+          <p:cNvPr id="9" name="Image 8">
+            <a:extLst>
+              <a:ext uri="{FF2B5EF4-FFF2-40B4-BE49-F238E27FC236}">
+                <a16:creationId xmlns:a16="http://schemas.microsoft.com/office/drawing/2014/main" id="{00915767-466B-4582-9F93-716121A2486F}"/>
+              </a:ext>
+            </a:extLst>
+          </p:cNvPr>
+          <p:cNvPicPr>
+            <a:picLocks noChangeAspect="1"/>
+          </p:cNvPicPr>
+          <p:nvPr/>
+        </p:nvPicPr>
+        <p:blipFill>
+          <a:blip r:embed="rId6"/>
+          <a:stretch>
+            <a:fillRect/>
+          </a:stretch>
+        </p:blipFill>
+        <p:spPr>
+          <a:xfrm>
+            <a:off x="1954984" y="1427815"/>
+            <a:ext cx="7574203" cy="5369169"/>
+          </a:xfrm>
+          <a:prstGeom prst="rect">
+            <a:avLst/>
+          </a:prstGeom>
+        </p:spPr>
+      </p:pic>
+      <p:pic>
+        <p:nvPicPr>
+          <p:cNvPr id="10" name="Image 9">
+            <a:extLst>
+              <a:ext uri="{FF2B5EF4-FFF2-40B4-BE49-F238E27FC236}">
+                <a16:creationId xmlns:a16="http://schemas.microsoft.com/office/drawing/2014/main" id="{91207013-3E34-4B47-9117-7A633979F289}"/>
+              </a:ext>
+            </a:extLst>
+          </p:cNvPr>
+          <p:cNvPicPr>
+            <a:picLocks noChangeAspect="1"/>
+          </p:cNvPicPr>
+          <p:nvPr/>
+        </p:nvPicPr>
+        <p:blipFill>
+          <a:blip r:embed="rId7"/>
+          <a:stretch>
+            <a:fillRect/>
+          </a:stretch>
+        </p:blipFill>
+        <p:spPr>
+          <a:xfrm>
+            <a:off x="3427428" y="2667535"/>
+            <a:ext cx="4629314" cy="2889727"/>
+          </a:xfrm>
+          <a:prstGeom prst="rect">
+            <a:avLst/>
+          </a:prstGeom>
+        </p:spPr>
+      </p:pic>
+      <p:pic>
+        <p:nvPicPr>
+          <p:cNvPr id="11" name="Image 10">
+            <a:extLst>
+              <a:ext uri="{FF2B5EF4-FFF2-40B4-BE49-F238E27FC236}">
+                <a16:creationId xmlns:a16="http://schemas.microsoft.com/office/drawing/2014/main" id="{9EA6797B-C914-4190-A16E-D04B25AFC477}"/>
+              </a:ext>
+            </a:extLst>
+          </p:cNvPr>
+          <p:cNvPicPr>
+            <a:picLocks noChangeAspect="1"/>
+          </p:cNvPicPr>
+          <p:nvPr/>
+        </p:nvPicPr>
+        <p:blipFill>
+          <a:blip r:embed="rId8"/>
+          <a:stretch>
+            <a:fillRect/>
+          </a:stretch>
+        </p:blipFill>
+        <p:spPr>
+          <a:xfrm>
+            <a:off x="2870297" y="2993210"/>
+            <a:ext cx="5743575" cy="2238375"/>
+          </a:xfrm>
+          <a:prstGeom prst="rect">
+            <a:avLst/>
+          </a:prstGeom>
+        </p:spPr>
+      </p:pic>
+      <p:pic>
+        <p:nvPicPr>
+          <p:cNvPr id="12" name="Image 11">
+            <a:extLst>
+              <a:ext uri="{FF2B5EF4-FFF2-40B4-BE49-F238E27FC236}">
+                <a16:creationId xmlns:a16="http://schemas.microsoft.com/office/drawing/2014/main" id="{6983B793-98F1-4804-94DB-A41B6865C407}"/>
+              </a:ext>
+            </a:extLst>
+          </p:cNvPr>
+          <p:cNvPicPr>
+            <a:picLocks noChangeAspect="1"/>
+          </p:cNvPicPr>
+          <p:nvPr/>
+        </p:nvPicPr>
+        <p:blipFill>
+          <a:blip r:embed="rId9"/>
+          <a:stretch>
+            <a:fillRect/>
+          </a:stretch>
+        </p:blipFill>
+        <p:spPr>
+          <a:xfrm>
+            <a:off x="325887" y="1588537"/>
+            <a:ext cx="11540226" cy="5047720"/>
+          </a:xfrm>
+          <a:prstGeom prst="rect">
+            <a:avLst/>
+          </a:prstGeom>
+        </p:spPr>
+      </p:pic>
     </p:spTree>
     <p:extLst>
       <p:ext uri="{BB962C8B-B14F-4D97-AF65-F5344CB8AC3E}">
@@ -6970,18 +8677,576 @@
   <p:clrMapOvr>
     <a:masterClrMapping/>
   </p:clrMapOvr>
-  <mc:AlternateContent xmlns:mc="http://schemas.openxmlformats.org/markup-compatibility/2006">
-    <mc:Choice xmlns:p14="http://schemas.microsoft.com/office/powerpoint/2010/main" Requires="p14">
+  <mc:AlternateContent xmlns:mc="http://schemas.openxmlformats.org/markup-compatibility/2006" xmlns:p14="http://schemas.microsoft.com/office/powerpoint/2010/main">
+    <mc:Choice Requires="p14">
       <p:transition spd="med" p14:dur="700">
         <p:fade/>
       </p:transition>
     </mc:Choice>
-    <mc:Fallback>
+    <mc:Fallback xmlns="">
       <p:transition spd="med">
         <p:fade/>
       </p:transition>
     </mc:Fallback>
   </mc:AlternateContent>
+  <p:timing>
+    <p:tnLst>
+      <p:par>
+        <p:cTn id="1" dur="indefinite" restart="never" nodeType="tmRoot">
+          <p:childTnLst>
+            <p:seq concurrent="1" nextAc="seek">
+              <p:cTn id="2" dur="indefinite" nodeType="mainSeq">
+                <p:childTnLst>
+                  <p:par>
+                    <p:cTn id="3" fill="hold">
+                      <p:stCondLst>
+                        <p:cond delay="indefinite"/>
+                      </p:stCondLst>
+                      <p:childTnLst>
+                        <p:par>
+                          <p:cTn id="4" fill="hold">
+                            <p:stCondLst>
+                              <p:cond delay="0"/>
+                            </p:stCondLst>
+                            <p:childTnLst>
+                              <p:par>
+                                <p:cTn id="5" presetID="10" presetClass="exit" presetSubtype="0" fill="hold" nodeType="clickEffect">
+                                  <p:stCondLst>
+                                    <p:cond delay="0"/>
+                                  </p:stCondLst>
+                                  <p:childTnLst>
+                                    <p:animEffect transition="out" filter="fade">
+                                      <p:cBhvr>
+                                        <p:cTn id="6" dur="500"/>
+                                        <p:tgtEl>
+                                          <p:spTgt spid="6"/>
+                                        </p:tgtEl>
+                                      </p:cBhvr>
+                                    </p:animEffect>
+                                    <p:set>
+                                      <p:cBhvr>
+                                        <p:cTn id="7" dur="1" fill="hold">
+                                          <p:stCondLst>
+                                            <p:cond delay="499"/>
+                                          </p:stCondLst>
+                                        </p:cTn>
+                                        <p:tgtEl>
+                                          <p:spTgt spid="6"/>
+                                        </p:tgtEl>
+                                        <p:attrNameLst>
+                                          <p:attrName>style.visibility</p:attrName>
+                                        </p:attrNameLst>
+                                      </p:cBhvr>
+                                      <p:to>
+                                        <p:strVal val="hidden"/>
+                                      </p:to>
+                                    </p:set>
+                                  </p:childTnLst>
+                                </p:cTn>
+                              </p:par>
+                              <p:par>
+                                <p:cTn id="8" presetID="10" presetClass="entr" presetSubtype="0" fill="hold" nodeType="withEffect">
+                                  <p:stCondLst>
+                                    <p:cond delay="0"/>
+                                  </p:stCondLst>
+                                  <p:childTnLst>
+                                    <p:set>
+                                      <p:cBhvr>
+                                        <p:cTn id="9" dur="1" fill="hold">
+                                          <p:stCondLst>
+                                            <p:cond delay="0"/>
+                                          </p:stCondLst>
+                                        </p:cTn>
+                                        <p:tgtEl>
+                                          <p:spTgt spid="7"/>
+                                        </p:tgtEl>
+                                        <p:attrNameLst>
+                                          <p:attrName>style.visibility</p:attrName>
+                                        </p:attrNameLst>
+                                      </p:cBhvr>
+                                      <p:to>
+                                        <p:strVal val="visible"/>
+                                      </p:to>
+                                    </p:set>
+                                    <p:animEffect transition="in" filter="fade">
+                                      <p:cBhvr>
+                                        <p:cTn id="10" dur="500"/>
+                                        <p:tgtEl>
+                                          <p:spTgt spid="7"/>
+                                        </p:tgtEl>
+                                      </p:cBhvr>
+                                    </p:animEffect>
+                                  </p:childTnLst>
+                                </p:cTn>
+                              </p:par>
+                            </p:childTnLst>
+                          </p:cTn>
+                        </p:par>
+                      </p:childTnLst>
+                    </p:cTn>
+                  </p:par>
+                  <p:par>
+                    <p:cTn id="11" fill="hold">
+                      <p:stCondLst>
+                        <p:cond delay="indefinite"/>
+                      </p:stCondLst>
+                      <p:childTnLst>
+                        <p:par>
+                          <p:cTn id="12" fill="hold">
+                            <p:stCondLst>
+                              <p:cond delay="0"/>
+                            </p:stCondLst>
+                            <p:childTnLst>
+                              <p:par>
+                                <p:cTn id="13" presetID="10" presetClass="exit" presetSubtype="0" fill="hold" nodeType="clickEffect">
+                                  <p:stCondLst>
+                                    <p:cond delay="0"/>
+                                  </p:stCondLst>
+                                  <p:childTnLst>
+                                    <p:animEffect transition="out" filter="fade">
+                                      <p:cBhvr>
+                                        <p:cTn id="14" dur="500"/>
+                                        <p:tgtEl>
+                                          <p:spTgt spid="7"/>
+                                        </p:tgtEl>
+                                      </p:cBhvr>
+                                    </p:animEffect>
+                                    <p:set>
+                                      <p:cBhvr>
+                                        <p:cTn id="15" dur="1" fill="hold">
+                                          <p:stCondLst>
+                                            <p:cond delay="499"/>
+                                          </p:stCondLst>
+                                        </p:cTn>
+                                        <p:tgtEl>
+                                          <p:spTgt spid="7"/>
+                                        </p:tgtEl>
+                                        <p:attrNameLst>
+                                          <p:attrName>style.visibility</p:attrName>
+                                        </p:attrNameLst>
+                                      </p:cBhvr>
+                                      <p:to>
+                                        <p:strVal val="hidden"/>
+                                      </p:to>
+                                    </p:set>
+                                  </p:childTnLst>
+                                </p:cTn>
+                              </p:par>
+                              <p:par>
+                                <p:cTn id="16" presetID="10" presetClass="entr" presetSubtype="0" fill="hold" nodeType="withEffect">
+                                  <p:stCondLst>
+                                    <p:cond delay="0"/>
+                                  </p:stCondLst>
+                                  <p:childTnLst>
+                                    <p:set>
+                                      <p:cBhvr>
+                                        <p:cTn id="17" dur="1" fill="hold">
+                                          <p:stCondLst>
+                                            <p:cond delay="0"/>
+                                          </p:stCondLst>
+                                        </p:cTn>
+                                        <p:tgtEl>
+                                          <p:spTgt spid="8"/>
+                                        </p:tgtEl>
+                                        <p:attrNameLst>
+                                          <p:attrName>style.visibility</p:attrName>
+                                        </p:attrNameLst>
+                                      </p:cBhvr>
+                                      <p:to>
+                                        <p:strVal val="visible"/>
+                                      </p:to>
+                                    </p:set>
+                                    <p:animEffect transition="in" filter="fade">
+                                      <p:cBhvr>
+                                        <p:cTn id="18" dur="500"/>
+                                        <p:tgtEl>
+                                          <p:spTgt spid="8"/>
+                                        </p:tgtEl>
+                                      </p:cBhvr>
+                                    </p:animEffect>
+                                  </p:childTnLst>
+                                </p:cTn>
+                              </p:par>
+                            </p:childTnLst>
+                          </p:cTn>
+                        </p:par>
+                      </p:childTnLst>
+                    </p:cTn>
+                  </p:par>
+                  <p:par>
+                    <p:cTn id="19" fill="hold">
+                      <p:stCondLst>
+                        <p:cond delay="indefinite"/>
+                      </p:stCondLst>
+                      <p:childTnLst>
+                        <p:par>
+                          <p:cTn id="20" fill="hold">
+                            <p:stCondLst>
+                              <p:cond delay="0"/>
+                            </p:stCondLst>
+                            <p:childTnLst>
+                              <p:par>
+                                <p:cTn id="21" presetID="10" presetClass="exit" presetSubtype="0" fill="hold" nodeType="clickEffect">
+                                  <p:stCondLst>
+                                    <p:cond delay="0"/>
+                                  </p:stCondLst>
+                                  <p:childTnLst>
+                                    <p:animEffect transition="out" filter="fade">
+                                      <p:cBhvr>
+                                        <p:cTn id="22" dur="500"/>
+                                        <p:tgtEl>
+                                          <p:spTgt spid="8"/>
+                                        </p:tgtEl>
+                                      </p:cBhvr>
+                                    </p:animEffect>
+                                    <p:set>
+                                      <p:cBhvr>
+                                        <p:cTn id="23" dur="1" fill="hold">
+                                          <p:stCondLst>
+                                            <p:cond delay="499"/>
+                                          </p:stCondLst>
+                                        </p:cTn>
+                                        <p:tgtEl>
+                                          <p:spTgt spid="8"/>
+                                        </p:tgtEl>
+                                        <p:attrNameLst>
+                                          <p:attrName>style.visibility</p:attrName>
+                                        </p:attrNameLst>
+                                      </p:cBhvr>
+                                      <p:to>
+                                        <p:strVal val="hidden"/>
+                                      </p:to>
+                                    </p:set>
+                                  </p:childTnLst>
+                                </p:cTn>
+                              </p:par>
+                              <p:par>
+                                <p:cTn id="24" presetID="10" presetClass="entr" presetSubtype="0" fill="hold" nodeType="withEffect">
+                                  <p:stCondLst>
+                                    <p:cond delay="0"/>
+                                  </p:stCondLst>
+                                  <p:childTnLst>
+                                    <p:set>
+                                      <p:cBhvr>
+                                        <p:cTn id="25" dur="1" fill="hold">
+                                          <p:stCondLst>
+                                            <p:cond delay="0"/>
+                                          </p:stCondLst>
+                                        </p:cTn>
+                                        <p:tgtEl>
+                                          <p:spTgt spid="9"/>
+                                        </p:tgtEl>
+                                        <p:attrNameLst>
+                                          <p:attrName>style.visibility</p:attrName>
+                                        </p:attrNameLst>
+                                      </p:cBhvr>
+                                      <p:to>
+                                        <p:strVal val="visible"/>
+                                      </p:to>
+                                    </p:set>
+                                    <p:animEffect transition="in" filter="fade">
+                                      <p:cBhvr>
+                                        <p:cTn id="26" dur="500"/>
+                                        <p:tgtEl>
+                                          <p:spTgt spid="9"/>
+                                        </p:tgtEl>
+                                      </p:cBhvr>
+                                    </p:animEffect>
+                                  </p:childTnLst>
+                                </p:cTn>
+                              </p:par>
+                            </p:childTnLst>
+                          </p:cTn>
+                        </p:par>
+                      </p:childTnLst>
+                    </p:cTn>
+                  </p:par>
+                  <p:par>
+                    <p:cTn id="27" fill="hold">
+                      <p:stCondLst>
+                        <p:cond delay="indefinite"/>
+                      </p:stCondLst>
+                      <p:childTnLst>
+                        <p:par>
+                          <p:cTn id="28" fill="hold">
+                            <p:stCondLst>
+                              <p:cond delay="0"/>
+                            </p:stCondLst>
+                            <p:childTnLst>
+                              <p:par>
+                                <p:cTn id="29" presetID="10" presetClass="exit" presetSubtype="0" fill="hold" nodeType="clickEffect">
+                                  <p:stCondLst>
+                                    <p:cond delay="0"/>
+                                  </p:stCondLst>
+                                  <p:childTnLst>
+                                    <p:animEffect transition="out" filter="fade">
+                                      <p:cBhvr>
+                                        <p:cTn id="30" dur="500"/>
+                                        <p:tgtEl>
+                                          <p:spTgt spid="9"/>
+                                        </p:tgtEl>
+                                      </p:cBhvr>
+                                    </p:animEffect>
+                                    <p:set>
+                                      <p:cBhvr>
+                                        <p:cTn id="31" dur="1" fill="hold">
+                                          <p:stCondLst>
+                                            <p:cond delay="499"/>
+                                          </p:stCondLst>
+                                        </p:cTn>
+                                        <p:tgtEl>
+                                          <p:spTgt spid="9"/>
+                                        </p:tgtEl>
+                                        <p:attrNameLst>
+                                          <p:attrName>style.visibility</p:attrName>
+                                        </p:attrNameLst>
+                                      </p:cBhvr>
+                                      <p:to>
+                                        <p:strVal val="hidden"/>
+                                      </p:to>
+                                    </p:set>
+                                  </p:childTnLst>
+                                </p:cTn>
+                              </p:par>
+                              <p:par>
+                                <p:cTn id="32" presetID="10" presetClass="entr" presetSubtype="0" fill="hold" nodeType="withEffect">
+                                  <p:stCondLst>
+                                    <p:cond delay="0"/>
+                                  </p:stCondLst>
+                                  <p:childTnLst>
+                                    <p:set>
+                                      <p:cBhvr>
+                                        <p:cTn id="33" dur="1" fill="hold">
+                                          <p:stCondLst>
+                                            <p:cond delay="0"/>
+                                          </p:stCondLst>
+                                        </p:cTn>
+                                        <p:tgtEl>
+                                          <p:spTgt spid="10"/>
+                                        </p:tgtEl>
+                                        <p:attrNameLst>
+                                          <p:attrName>style.visibility</p:attrName>
+                                        </p:attrNameLst>
+                                      </p:cBhvr>
+                                      <p:to>
+                                        <p:strVal val="visible"/>
+                                      </p:to>
+                                    </p:set>
+                                    <p:animEffect transition="in" filter="fade">
+                                      <p:cBhvr>
+                                        <p:cTn id="34" dur="500"/>
+                                        <p:tgtEl>
+                                          <p:spTgt spid="10"/>
+                                        </p:tgtEl>
+                                      </p:cBhvr>
+                                    </p:animEffect>
+                                  </p:childTnLst>
+                                </p:cTn>
+                              </p:par>
+                            </p:childTnLst>
+                          </p:cTn>
+                        </p:par>
+                      </p:childTnLst>
+                    </p:cTn>
+                  </p:par>
+                  <p:par>
+                    <p:cTn id="35" fill="hold">
+                      <p:stCondLst>
+                        <p:cond delay="indefinite"/>
+                      </p:stCondLst>
+                      <p:childTnLst>
+                        <p:par>
+                          <p:cTn id="36" fill="hold">
+                            <p:stCondLst>
+                              <p:cond delay="0"/>
+                            </p:stCondLst>
+                            <p:childTnLst>
+                              <p:par>
+                                <p:cTn id="37" presetID="10" presetClass="exit" presetSubtype="0" fill="hold" nodeType="clickEffect">
+                                  <p:stCondLst>
+                                    <p:cond delay="0"/>
+                                  </p:stCondLst>
+                                  <p:childTnLst>
+                                    <p:animEffect transition="out" filter="fade">
+                                      <p:cBhvr>
+                                        <p:cTn id="38" dur="500"/>
+                                        <p:tgtEl>
+                                          <p:spTgt spid="10"/>
+                                        </p:tgtEl>
+                                      </p:cBhvr>
+                                    </p:animEffect>
+                                    <p:set>
+                                      <p:cBhvr>
+                                        <p:cTn id="39" dur="1" fill="hold">
+                                          <p:stCondLst>
+                                            <p:cond delay="499"/>
+                                          </p:stCondLst>
+                                        </p:cTn>
+                                        <p:tgtEl>
+                                          <p:spTgt spid="10"/>
+                                        </p:tgtEl>
+                                        <p:attrNameLst>
+                                          <p:attrName>style.visibility</p:attrName>
+                                        </p:attrNameLst>
+                                      </p:cBhvr>
+                                      <p:to>
+                                        <p:strVal val="hidden"/>
+                                      </p:to>
+                                    </p:set>
+                                  </p:childTnLst>
+                                </p:cTn>
+                              </p:par>
+                              <p:par>
+                                <p:cTn id="40" presetID="10" presetClass="entr" presetSubtype="0" fill="hold" nodeType="withEffect">
+                                  <p:stCondLst>
+                                    <p:cond delay="0"/>
+                                  </p:stCondLst>
+                                  <p:childTnLst>
+                                    <p:set>
+                                      <p:cBhvr>
+                                        <p:cTn id="41" dur="1" fill="hold">
+                                          <p:stCondLst>
+                                            <p:cond delay="0"/>
+                                          </p:stCondLst>
+                                        </p:cTn>
+                                        <p:tgtEl>
+                                          <p:spTgt spid="11"/>
+                                        </p:tgtEl>
+                                        <p:attrNameLst>
+                                          <p:attrName>style.visibility</p:attrName>
+                                        </p:attrNameLst>
+                                      </p:cBhvr>
+                                      <p:to>
+                                        <p:strVal val="visible"/>
+                                      </p:to>
+                                    </p:set>
+                                    <p:animEffect transition="in" filter="fade">
+                                      <p:cBhvr>
+                                        <p:cTn id="42" dur="500"/>
+                                        <p:tgtEl>
+                                          <p:spTgt spid="11"/>
+                                        </p:tgtEl>
+                                      </p:cBhvr>
+                                    </p:animEffect>
+                                  </p:childTnLst>
+                                </p:cTn>
+                              </p:par>
+                            </p:childTnLst>
+                          </p:cTn>
+                        </p:par>
+                      </p:childTnLst>
+                    </p:cTn>
+                  </p:par>
+                  <p:par>
+                    <p:cTn id="43" fill="hold">
+                      <p:stCondLst>
+                        <p:cond delay="indefinite"/>
+                      </p:stCondLst>
+                      <p:childTnLst>
+                        <p:par>
+                          <p:cTn id="44" fill="hold">
+                            <p:stCondLst>
+                              <p:cond delay="0"/>
+                            </p:stCondLst>
+                            <p:childTnLst>
+                              <p:par>
+                                <p:cTn id="45" presetID="10" presetClass="exit" presetSubtype="0" fill="hold" nodeType="clickEffect">
+                                  <p:stCondLst>
+                                    <p:cond delay="0"/>
+                                  </p:stCondLst>
+                                  <p:childTnLst>
+                                    <p:animEffect transition="out" filter="fade">
+                                      <p:cBhvr>
+                                        <p:cTn id="46" dur="500"/>
+                                        <p:tgtEl>
+                                          <p:spTgt spid="11"/>
+                                        </p:tgtEl>
+                                      </p:cBhvr>
+                                    </p:animEffect>
+                                    <p:set>
+                                      <p:cBhvr>
+                                        <p:cTn id="47" dur="1" fill="hold">
+                                          <p:stCondLst>
+                                            <p:cond delay="499"/>
+                                          </p:stCondLst>
+                                        </p:cTn>
+                                        <p:tgtEl>
+                                          <p:spTgt spid="11"/>
+                                        </p:tgtEl>
+                                        <p:attrNameLst>
+                                          <p:attrName>style.visibility</p:attrName>
+                                        </p:attrNameLst>
+                                      </p:cBhvr>
+                                      <p:to>
+                                        <p:strVal val="hidden"/>
+                                      </p:to>
+                                    </p:set>
+                                  </p:childTnLst>
+                                </p:cTn>
+                              </p:par>
+                              <p:par>
+                                <p:cTn id="48" presetID="10" presetClass="entr" presetSubtype="0" fill="hold" nodeType="withEffect">
+                                  <p:stCondLst>
+                                    <p:cond delay="0"/>
+                                  </p:stCondLst>
+                                  <p:childTnLst>
+                                    <p:set>
+                                      <p:cBhvr>
+                                        <p:cTn id="49" dur="1" fill="hold">
+                                          <p:stCondLst>
+                                            <p:cond delay="0"/>
+                                          </p:stCondLst>
+                                        </p:cTn>
+                                        <p:tgtEl>
+                                          <p:spTgt spid="12"/>
+                                        </p:tgtEl>
+                                        <p:attrNameLst>
+                                          <p:attrName>style.visibility</p:attrName>
+                                        </p:attrNameLst>
+                                      </p:cBhvr>
+                                      <p:to>
+                                        <p:strVal val="visible"/>
+                                      </p:to>
+                                    </p:set>
+                                    <p:animEffect transition="in" filter="fade">
+                                      <p:cBhvr>
+                                        <p:cTn id="50" dur="500"/>
+                                        <p:tgtEl>
+                                          <p:spTgt spid="12"/>
+                                        </p:tgtEl>
+                                      </p:cBhvr>
+                                    </p:animEffect>
+                                  </p:childTnLst>
+                                </p:cTn>
+                              </p:par>
+                            </p:childTnLst>
+                          </p:cTn>
+                        </p:par>
+                      </p:childTnLst>
+                    </p:cTn>
+                  </p:par>
+                </p:childTnLst>
+              </p:cTn>
+              <p:prevCondLst>
+                <p:cond evt="onPrev" delay="0">
+                  <p:tgtEl>
+                    <p:sldTgt/>
+                  </p:tgtEl>
+                </p:cond>
+              </p:prevCondLst>
+              <p:nextCondLst>
+                <p:cond evt="onNext" delay="0">
+                  <p:tgtEl>
+                    <p:sldTgt/>
+                  </p:tgtEl>
+                </p:cond>
+              </p:nextCondLst>
+            </p:seq>
+          </p:childTnLst>
+        </p:cTn>
+      </p:par>
+    </p:tnLst>
+  </p:timing>
 </p:sld>
 </file>
 
